--- a/docs/microservices-architecture-diagram.pptx
+++ b/docs/microservices-architecture-diagram.pptx
@@ -5,11 +5,12 @@
     <p:sldMasterId id="2147483660" r:id="rId1"/>
   </p:sldMasterIdLst>
   <p:notesMasterIdLst>
-    <p:notesMasterId r:id="rId4"/>
+    <p:notesMasterId r:id="rId5"/>
   </p:notesMasterIdLst>
   <p:sldIdLst>
     <p:sldId id="2141411456" r:id="rId2"/>
-    <p:sldId id="2141411457" r:id="rId3"/>
+    <p:sldId id="2141411458" r:id="rId3"/>
+    <p:sldId id="2141411457" r:id="rId4"/>
   </p:sldIdLst>
   <p:sldSz cx="12192000" cy="6858000"/>
   <p:notesSz cx="6858000" cy="9144000"/>
@@ -198,7 +199,7 @@
           <a:p>
             <a:fld id="{E6E83A38-4D4E-460E-A605-BC2E421C1155}" type="datetimeFigureOut">
               <a:rPr lang="fr-FR" smtClean="0"/>
-              <a:t>01/03/2022</a:t>
+              <a:t>29/10/2022</a:t>
             </a:fld>
             <a:endParaRPr lang="fr-FR"/>
           </a:p>
@@ -985,6 +986,281 @@
                 <a:defRPr/>
               </a:pPr>
               <a:t>2</a:t>
+            </a:fld>
+            <a:endParaRPr kumimoji="0" lang="en-US" sz="1200" b="0" i="0" u="none" strike="noStrike" kern="1200" cap="none" spc="0" normalizeH="0" baseline="0" noProof="0" dirty="0">
+              <a:ln>
+                <a:noFill/>
+              </a:ln>
+              <a:solidFill>
+                <a:prstClr val="black"/>
+              </a:solidFill>
+              <a:effectLst/>
+              <a:uLnTx/>
+              <a:uFillTx/>
+              <a:latin typeface="Segoe UI" pitchFamily="34" charset="0"/>
+              <a:ea typeface="+mn-ea"/>
+              <a:cs typeface="+mn-cs"/>
+            </a:endParaRPr>
+          </a:p>
+        </p:txBody>
+      </p:sp>
+    </p:spTree>
+    <p:extLst>
+      <p:ext uri="{BB962C8B-B14F-4D97-AF65-F5344CB8AC3E}">
+        <p14:creationId xmlns:p14="http://schemas.microsoft.com/office/powerpoint/2010/main" val="1756047049"/>
+      </p:ext>
+    </p:extLst>
+  </p:cSld>
+  <p:clrMapOvr>
+    <a:masterClrMapping/>
+  </p:clrMapOvr>
+</p:notes>
+</file>
+
+<file path=ppt/notesSlides/notesSlide3.xml><?xml version="1.0" encoding="utf-8"?>
+<p:notes xmlns:a="http://schemas.openxmlformats.org/drawingml/2006/main" xmlns:r="http://schemas.openxmlformats.org/officeDocument/2006/relationships" xmlns:p="http://schemas.openxmlformats.org/presentationml/2006/main">
+  <p:cSld>
+    <p:spTree>
+      <p:nvGrpSpPr>
+        <p:cNvPr id="1" name=""/>
+        <p:cNvGrpSpPr/>
+        <p:nvPr/>
+      </p:nvGrpSpPr>
+      <p:grpSpPr>
+        <a:xfrm>
+          <a:off x="0" y="0"/>
+          <a:ext cx="0" cy="0"/>
+          <a:chOff x="0" y="0"/>
+          <a:chExt cx="0" cy="0"/>
+        </a:xfrm>
+      </p:grpSpPr>
+      <p:sp>
+        <p:nvSpPr>
+          <p:cNvPr id="2" name="Slide Image Placeholder 1"/>
+          <p:cNvSpPr>
+            <a:spLocks noGrp="1" noRot="1" noChangeAspect="1"/>
+          </p:cNvSpPr>
+          <p:nvPr>
+            <p:ph type="sldImg"/>
+          </p:nvPr>
+        </p:nvSpPr>
+        <p:spPr/>
+      </p:sp>
+      <p:sp>
+        <p:nvSpPr>
+          <p:cNvPr id="3" name="Notes Placeholder 2"/>
+          <p:cNvSpPr>
+            <a:spLocks noGrp="1"/>
+          </p:cNvSpPr>
+          <p:nvPr>
+            <p:ph type="body" idx="1"/>
+          </p:nvPr>
+        </p:nvSpPr>
+        <p:spPr/>
+        <p:txBody>
+          <a:bodyPr/>
+          <a:lstStyle/>
+          <a:p>
+            <a:endParaRPr lang="fr-FR" dirty="0"/>
+          </a:p>
+        </p:txBody>
+      </p:sp>
+      <p:sp>
+        <p:nvSpPr>
+          <p:cNvPr id="4" name="Header Placeholder 3"/>
+          <p:cNvSpPr>
+            <a:spLocks noGrp="1"/>
+          </p:cNvSpPr>
+          <p:nvPr>
+            <p:ph type="hdr" sz="quarter"/>
+          </p:nvPr>
+        </p:nvSpPr>
+        <p:spPr/>
+        <p:txBody>
+          <a:bodyPr/>
+          <a:lstStyle/>
+          <a:p>
+            <a:pPr marL="0" marR="0" lvl="0" indent="0" algn="l" defTabSz="932742" rtl="0" eaLnBrk="1" fontAlgn="auto" latinLnBrk="0" hangingPunct="1">
+              <a:lnSpc>
+                <a:spcPct val="100000"/>
+              </a:lnSpc>
+              <a:spcBef>
+                <a:spcPts val="0"/>
+              </a:spcBef>
+              <a:spcAft>
+                <a:spcPts val="0"/>
+              </a:spcAft>
+              <a:buClrTx/>
+              <a:buSzTx/>
+              <a:buFontTx/>
+              <a:buNone/>
+              <a:tabLst/>
+              <a:defRPr/>
+            </a:pPr>
+            <a:endParaRPr kumimoji="0" lang="en-US" sz="1200" b="0" i="0" u="none" strike="noStrike" kern="1200" cap="none" spc="0" normalizeH="0" baseline="0" noProof="0" dirty="0">
+              <a:ln>
+                <a:noFill/>
+              </a:ln>
+              <a:solidFill>
+                <a:prstClr val="black"/>
+              </a:solidFill>
+              <a:effectLst/>
+              <a:uLnTx/>
+              <a:uFillTx/>
+              <a:latin typeface="Segoe UI" pitchFamily="34" charset="0"/>
+              <a:ea typeface="+mn-ea"/>
+              <a:cs typeface="+mn-cs"/>
+            </a:endParaRPr>
+          </a:p>
+        </p:txBody>
+      </p:sp>
+      <p:sp>
+        <p:nvSpPr>
+          <p:cNvPr id="5" name="Footer Placeholder 4"/>
+          <p:cNvSpPr>
+            <a:spLocks noGrp="1"/>
+          </p:cNvSpPr>
+          <p:nvPr>
+            <p:ph type="ftr" sz="quarter" idx="4"/>
+          </p:nvPr>
+        </p:nvSpPr>
+        <p:spPr/>
+        <p:txBody>
+          <a:bodyPr/>
+          <a:lstStyle/>
+          <a:p>
+            <a:pPr marL="571500" marR="0" lvl="0" indent="0" algn="l" defTabSz="914099" rtl="0" eaLnBrk="0" fontAlgn="auto" latinLnBrk="0" hangingPunct="0">
+              <a:lnSpc>
+                <a:spcPct val="100000"/>
+              </a:lnSpc>
+              <a:spcBef>
+                <a:spcPts val="0"/>
+              </a:spcBef>
+              <a:spcAft>
+                <a:spcPts val="0"/>
+              </a:spcAft>
+              <a:buClrTx/>
+              <a:buSzTx/>
+              <a:buFontTx/>
+              <a:buNone/>
+              <a:tabLst/>
+              <a:defRPr/>
+            </a:pPr>
+            <a:r>
+              <a:rPr kumimoji="0" lang="en-US" sz="400" b="0" i="0" u="none" strike="noStrike" kern="1200" cap="none" spc="0" normalizeH="0" baseline="0" noProof="0">
+                <a:ln>
+                  <a:noFill/>
+                </a:ln>
+                <a:gradFill>
+                  <a:gsLst>
+                    <a:gs pos="0">
+                      <a:prstClr val="black"/>
+                    </a:gs>
+                    <a:gs pos="100000">
+                      <a:prstClr val="black"/>
+                    </a:gs>
+                  </a:gsLst>
+                  <a:lin ang="5400000" scaled="0"/>
+                </a:gradFill>
+                <a:effectLst/>
+                <a:uLnTx/>
+                <a:uFillTx/>
+                <a:latin typeface="Segoe UI" pitchFamily="34" charset="0"/>
+                <a:ea typeface="Segoe UI" pitchFamily="34" charset="0"/>
+                <a:cs typeface="Segoe UI" pitchFamily="34" charset="0"/>
+              </a:rPr>
+              <a:t>© Microsoft Corporation</a:t>
+            </a:r>
+            <a:endParaRPr kumimoji="0" lang="en-US" sz="400" b="0" i="0" u="none" strike="noStrike" kern="1200" cap="none" spc="0" normalizeH="0" baseline="0" noProof="0" dirty="0">
+              <a:ln>
+                <a:noFill/>
+              </a:ln>
+              <a:gradFill>
+                <a:gsLst>
+                  <a:gs pos="0">
+                    <a:prstClr val="black"/>
+                  </a:gs>
+                  <a:gs pos="100000">
+                    <a:prstClr val="black"/>
+                  </a:gs>
+                </a:gsLst>
+                <a:lin ang="5400000" scaled="0"/>
+              </a:gradFill>
+              <a:effectLst/>
+              <a:uLnTx/>
+              <a:uFillTx/>
+              <a:latin typeface="Segoe UI" pitchFamily="34" charset="0"/>
+              <a:ea typeface="Segoe UI" pitchFamily="34" charset="0"/>
+              <a:cs typeface="Segoe UI" pitchFamily="34" charset="0"/>
+            </a:endParaRPr>
+          </a:p>
+        </p:txBody>
+      </p:sp>
+      <p:sp>
+        <p:nvSpPr>
+          <p:cNvPr id="6" name="Slide Number Placeholder 5"/>
+          <p:cNvSpPr>
+            <a:spLocks noGrp="1"/>
+          </p:cNvSpPr>
+          <p:nvPr>
+            <p:ph type="sldNum" sz="quarter" idx="5"/>
+          </p:nvPr>
+        </p:nvSpPr>
+        <p:spPr/>
+        <p:txBody>
+          <a:bodyPr/>
+          <a:lstStyle/>
+          <a:p>
+            <a:pPr marL="0" marR="0" lvl="0" indent="0" algn="r" defTabSz="932742" rtl="0" eaLnBrk="1" fontAlgn="auto" latinLnBrk="0" hangingPunct="1">
+              <a:lnSpc>
+                <a:spcPct val="100000"/>
+              </a:lnSpc>
+              <a:spcBef>
+                <a:spcPts val="0"/>
+              </a:spcBef>
+              <a:spcAft>
+                <a:spcPts val="0"/>
+              </a:spcAft>
+              <a:buClrTx/>
+              <a:buSzTx/>
+              <a:buFontTx/>
+              <a:buNone/>
+              <a:tabLst/>
+              <a:defRPr/>
+            </a:pPr>
+            <a:fld id="{B4008EB6-D09E-4580-8CD6-DDB14511944F}" type="slidenum">
+              <a:rPr kumimoji="0" lang="en-US" sz="1200" b="0" i="0" u="none" strike="noStrike" kern="1200" cap="none" spc="0" normalizeH="0" baseline="0" noProof="0" smtClean="0">
+                <a:ln>
+                  <a:noFill/>
+                </a:ln>
+                <a:solidFill>
+                  <a:prstClr val="black"/>
+                </a:solidFill>
+                <a:effectLst/>
+                <a:uLnTx/>
+                <a:uFillTx/>
+                <a:latin typeface="Segoe UI" pitchFamily="34" charset="0"/>
+                <a:ea typeface="+mn-ea"/>
+                <a:cs typeface="+mn-cs"/>
+              </a:rPr>
+              <a:pPr marL="0" marR="0" lvl="0" indent="0" algn="r" defTabSz="932742" rtl="0" eaLnBrk="1" fontAlgn="auto" latinLnBrk="0" hangingPunct="1">
+                <a:lnSpc>
+                  <a:spcPct val="100000"/>
+                </a:lnSpc>
+                <a:spcBef>
+                  <a:spcPts val="0"/>
+                </a:spcBef>
+                <a:spcAft>
+                  <a:spcPts val="0"/>
+                </a:spcAft>
+                <a:buClrTx/>
+                <a:buSzTx/>
+                <a:buFontTx/>
+                <a:buNone/>
+                <a:tabLst/>
+                <a:defRPr/>
+              </a:pPr>
+              <a:t>3</a:t>
             </a:fld>
             <a:endParaRPr kumimoji="0" lang="en-US" sz="1200" b="0" i="0" u="none" strike="noStrike" kern="1200" cap="none" spc="0" normalizeH="0" baseline="0" noProof="0" dirty="0">
               <a:ln>
@@ -18167,10 +18443,10 @@
       </p:grpSpPr>
       <p:sp>
         <p:nvSpPr>
-          <p:cNvPr id="14" name="Rectangle 13">
+          <p:cNvPr id="147" name="Rectangle 146">
             <a:extLst>
               <a:ext uri="{FF2B5EF4-FFF2-40B4-BE49-F238E27FC236}">
-                <a16:creationId xmlns:a16="http://schemas.microsoft.com/office/drawing/2014/main" id="{F06E5AC1-B7D6-403C-861C-7563BEAF3555}"/>
+                <a16:creationId xmlns:a16="http://schemas.microsoft.com/office/drawing/2014/main" id="{7979A319-3D25-45DD-9159-78C4A59103B7}"/>
               </a:ext>
             </a:extLst>
           </p:cNvPr>
@@ -18179,14 +18455,14 @@
         </p:nvSpPr>
         <p:spPr>
           <a:xfrm>
-            <a:off x="1375038" y="0"/>
-            <a:ext cx="9419007" cy="6675807"/>
+            <a:off x="4981316" y="2663477"/>
+            <a:ext cx="2229365" cy="776431"/>
           </a:xfrm>
           <a:prstGeom prst="rect">
             <a:avLst/>
           </a:prstGeom>
           <a:solidFill>
-            <a:schemeClr val="bg1"/>
+            <a:srgbClr val="0078D3"/>
           </a:solidFill>
           <a:ln w="6350" cap="flat" cmpd="sng" algn="ctr">
             <a:noFill/>
@@ -18208,65 +18484,7 @@
           <a:fontRef idx="major"/>
         </p:style>
         <p:txBody>
-          <a:bodyPr lIns="134464" tIns="134464" rtlCol="0" anchor="t" anchorCtr="0"/>
-          <a:lstStyle/>
-          <a:p>
-            <a:pPr algn="ctr" defTabSz="896386">
-              <a:defRPr/>
-            </a:pPr>
-            <a:endParaRPr lang="en-US" sz="1765" kern="0" dirty="0">
-              <a:solidFill>
-                <a:srgbClr val="FFFFFF"/>
-              </a:solidFill>
-              <a:latin typeface="Segoe UI"/>
-            </a:endParaRPr>
-          </a:p>
-        </p:txBody>
-      </p:sp>
-      <p:sp>
-        <p:nvSpPr>
-          <p:cNvPr id="147" name="Rectangle 146">
-            <a:extLst>
-              <a:ext uri="{FF2B5EF4-FFF2-40B4-BE49-F238E27FC236}">
-                <a16:creationId xmlns:a16="http://schemas.microsoft.com/office/drawing/2014/main" id="{7979A319-3D25-45DD-9159-78C4A59103B7}"/>
-              </a:ext>
-            </a:extLst>
-          </p:cNvPr>
-          <p:cNvSpPr/>
-          <p:nvPr/>
-        </p:nvSpPr>
-        <p:spPr>
-          <a:xfrm>
-            <a:off x="4981316" y="2663477"/>
-            <a:ext cx="2229365" cy="776431"/>
-          </a:xfrm>
-          <a:prstGeom prst="rect">
-            <a:avLst/>
-          </a:prstGeom>
-          <a:solidFill>
-            <a:srgbClr val="4DB0FF"/>
-          </a:solidFill>
-          <a:ln w="6350" cap="flat" cmpd="sng" algn="ctr">
-            <a:noFill/>
-            <a:prstDash val="solid"/>
-            <a:miter lim="800000"/>
-          </a:ln>
-          <a:effectLst/>
-        </p:spPr>
-        <p:style>
-          <a:lnRef idx="0">
-            <a:scrgbClr r="0" g="0" b="0"/>
-          </a:lnRef>
-          <a:fillRef idx="0">
-            <a:scrgbClr r="0" g="0" b="0"/>
-          </a:fillRef>
-          <a:effectRef idx="0">
-            <a:scrgbClr r="0" g="0" b="0"/>
-          </a:effectRef>
-          <a:fontRef idx="major"/>
-        </p:style>
-        <p:txBody>
-          <a:bodyPr lIns="134464" tIns="134464" rtlCol="0" anchor="t" anchorCtr="0"/>
+          <a:bodyPr lIns="134464" tIns="118800" bIns="118800" rtlCol="0" anchor="ctr" anchorCtr="0"/>
           <a:lstStyle/>
           <a:p>
             <a:pPr algn="ctr" defTabSz="896386">
@@ -18340,7 +18558,7 @@
         </p:nvSpPr>
         <p:spPr>
           <a:xfrm>
-            <a:off x="6258168" y="493424"/>
+            <a:off x="6275217" y="1033848"/>
             <a:ext cx="1025728" cy="296008"/>
           </a:xfrm>
           <a:prstGeom prst="rect">
@@ -18407,7 +18625,7 @@
         </p:blipFill>
         <p:spPr>
           <a:xfrm>
-            <a:off x="5914371" y="492842"/>
+            <a:off x="5931420" y="1033266"/>
             <a:ext cx="361745" cy="289397"/>
           </a:xfrm>
           <a:prstGeom prst="rect">
@@ -18441,7 +18659,7 @@
         </p:blipFill>
         <p:spPr>
           <a:xfrm>
-            <a:off x="5923949" y="914165"/>
+            <a:off x="5940998" y="1454589"/>
             <a:ext cx="352923" cy="352923"/>
           </a:xfrm>
           <a:prstGeom prst="rect">
@@ -18463,7 +18681,7 @@
         </p:nvSpPr>
         <p:spPr>
           <a:xfrm>
-            <a:off x="6235922" y="940814"/>
+            <a:off x="6252971" y="1481238"/>
             <a:ext cx="1025728" cy="296008"/>
           </a:xfrm>
           <a:prstGeom prst="rect">
@@ -18525,7 +18743,7 @@
             <a:avLst/>
           </a:prstGeom>
           <a:solidFill>
-            <a:srgbClr val="4DB0FF"/>
+            <a:srgbClr val="0078D3"/>
           </a:solidFill>
           <a:ln w="6350" cap="flat" cmpd="sng" algn="ctr">
             <a:noFill/>
@@ -18547,7 +18765,7 @@
           <a:fontRef idx="major"/>
         </p:style>
         <p:txBody>
-          <a:bodyPr lIns="134464" tIns="134464" rtlCol="0" anchor="t" anchorCtr="0"/>
+          <a:bodyPr lIns="134464" tIns="118800" bIns="118800" rtlCol="0" anchor="ctr" anchorCtr="0"/>
           <a:lstStyle/>
           <a:p>
             <a:pPr algn="ctr" defTabSz="896386">
@@ -18606,7 +18824,7 @@
             <a:avLst/>
           </a:prstGeom>
           <a:solidFill>
-            <a:srgbClr val="4DB0FF"/>
+            <a:srgbClr val="0078D3"/>
           </a:solidFill>
           <a:ln w="6350" cap="flat" cmpd="sng" algn="ctr">
             <a:noFill/>
@@ -18628,7 +18846,7 @@
           <a:fontRef idx="major"/>
         </p:style>
         <p:txBody>
-          <a:bodyPr lIns="134464" tIns="134464" rtlCol="0" anchor="t" anchorCtr="0"/>
+          <a:bodyPr lIns="134464" tIns="118800" bIns="118800" rtlCol="0" anchor="ctr" anchorCtr="0"/>
           <a:lstStyle/>
           <a:p>
             <a:pPr algn="ctr" defTabSz="896386">
@@ -18723,7 +18941,7 @@
             <a:avLst/>
           </a:prstGeom>
           <a:solidFill>
-            <a:srgbClr val="4DB0FF"/>
+            <a:srgbClr val="0078D3"/>
           </a:solidFill>
           <a:ln w="6350" cap="flat" cmpd="sng" algn="ctr">
             <a:noFill/>
@@ -18745,7 +18963,7 @@
           <a:fontRef idx="major"/>
         </p:style>
         <p:txBody>
-          <a:bodyPr lIns="134464" tIns="134464" rtlCol="0" anchor="t" anchorCtr="0"/>
+          <a:bodyPr lIns="134464" tIns="118800" bIns="118800" rtlCol="0" anchor="ctr" anchorCtr="0"/>
           <a:lstStyle/>
           <a:p>
             <a:pPr algn="ctr" defTabSz="896386">
@@ -18965,10 +19183,10 @@
       </p:pic>
       <p:cxnSp>
         <p:nvCxnSpPr>
-          <p:cNvPr id="38" name="Google Shape;1220;p51">
+          <p:cNvPr id="44" name="Google Shape;1220;p51">
             <a:extLst>
               <a:ext uri="{FF2B5EF4-FFF2-40B4-BE49-F238E27FC236}">
-                <a16:creationId xmlns:a16="http://schemas.microsoft.com/office/drawing/2014/main" id="{02F3A239-38FA-4017-AF20-6FD3414D4C83}"/>
+                <a16:creationId xmlns:a16="http://schemas.microsoft.com/office/drawing/2014/main" id="{1EB3C14D-D440-4F69-B9F6-26C8707EF28F}"/>
               </a:ext>
             </a:extLst>
           </p:cNvPr>
@@ -18978,9 +19196,9 @@
           <p:nvPr/>
         </p:nvCxnSpPr>
         <p:spPr>
-          <a:xfrm flipH="1">
-            <a:off x="6278879" y="1267088"/>
-            <a:ext cx="4412" cy="1396389"/>
+          <a:xfrm>
+            <a:off x="5816978" y="1773889"/>
+            <a:ext cx="7762" cy="893222"/>
           </a:xfrm>
           <a:prstGeom prst="straightConnector1">
             <a:avLst/>
@@ -18997,12 +19215,664 @@
           </a:ln>
         </p:spPr>
       </p:cxnSp>
+      <p:sp>
+        <p:nvSpPr>
+          <p:cNvPr id="45" name="Google Shape;134;p16">
+            <a:extLst>
+              <a:ext uri="{FF2B5EF4-FFF2-40B4-BE49-F238E27FC236}">
+                <a16:creationId xmlns:a16="http://schemas.microsoft.com/office/drawing/2014/main" id="{13905C22-D6E6-4973-9223-30D4B376550C}"/>
+              </a:ext>
+            </a:extLst>
+          </p:cNvPr>
+          <p:cNvSpPr txBox="1"/>
+          <p:nvPr/>
+        </p:nvSpPr>
+        <p:spPr>
+          <a:xfrm>
+            <a:off x="6425783" y="1836019"/>
+            <a:ext cx="1136667" cy="296008"/>
+          </a:xfrm>
+          <a:prstGeom prst="rect">
+            <a:avLst/>
+          </a:prstGeom>
+          <a:noFill/>
+          <a:ln>
+            <a:noFill/>
+          </a:ln>
+        </p:spPr>
+        <p:txBody>
+          <a:bodyPr spcFirstLastPara="1" wrap="square" lIns="89628" tIns="44802" rIns="89628" bIns="44802" anchor="ctr" anchorCtr="0">
+            <a:noAutofit/>
+          </a:bodyPr>
+          <a:lstStyle/>
+          <a:p>
+            <a:pPr algn="ctr" defTabSz="914367">
+              <a:buClr>
+                <a:srgbClr val="000000"/>
+              </a:buClr>
+              <a:buSzPts val="800"/>
+            </a:pPr>
+            <a:r>
+              <a:rPr lang="en-GB" sz="1200" dirty="0">
+                <a:solidFill>
+                  <a:srgbClr val="000000"/>
+                </a:solidFill>
+                <a:latin typeface="Segoe UI"/>
+              </a:rPr>
+              <a:t>REST requests</a:t>
+            </a:r>
+            <a:endParaRPr sz="1200" dirty="0">
+              <a:solidFill>
+                <a:srgbClr val="000000"/>
+              </a:solidFill>
+              <a:latin typeface="Segoe UI"/>
+            </a:endParaRPr>
+          </a:p>
+        </p:txBody>
+      </p:sp>
+      <p:sp>
+        <p:nvSpPr>
+          <p:cNvPr id="46" name="Google Shape;134;p16">
+            <a:extLst>
+              <a:ext uri="{FF2B5EF4-FFF2-40B4-BE49-F238E27FC236}">
+                <a16:creationId xmlns:a16="http://schemas.microsoft.com/office/drawing/2014/main" id="{B32028B2-13DA-4D85-A0DD-6D32BD20FDA4}"/>
+              </a:ext>
+            </a:extLst>
+          </p:cNvPr>
+          <p:cNvSpPr txBox="1"/>
+          <p:nvPr/>
+        </p:nvSpPr>
+        <p:spPr>
+          <a:xfrm>
+            <a:off x="4687021" y="1836019"/>
+            <a:ext cx="898962" cy="296008"/>
+          </a:xfrm>
+          <a:prstGeom prst="rect">
+            <a:avLst/>
+          </a:prstGeom>
+          <a:noFill/>
+          <a:ln>
+            <a:noFill/>
+          </a:ln>
+        </p:spPr>
+        <p:txBody>
+          <a:bodyPr spcFirstLastPara="1" wrap="square" lIns="89628" tIns="44802" rIns="89628" bIns="44802" anchor="ctr" anchorCtr="0">
+            <a:noAutofit/>
+          </a:bodyPr>
+          <a:lstStyle/>
+          <a:p>
+            <a:pPr algn="ctr" defTabSz="914367">
+              <a:buClr>
+                <a:srgbClr val="000000"/>
+              </a:buClr>
+              <a:buSzPts val="800"/>
+            </a:pPr>
+            <a:r>
+              <a:rPr lang="en-GB" sz="1200" dirty="0">
+                <a:solidFill>
+                  <a:srgbClr val="000000"/>
+                </a:solidFill>
+                <a:latin typeface="Segoe UI"/>
+              </a:rPr>
+              <a:t>Static </a:t>
+            </a:r>
+          </a:p>
+          <a:p>
+            <a:pPr algn="ctr" defTabSz="914367">
+              <a:buClr>
+                <a:srgbClr val="000000"/>
+              </a:buClr>
+              <a:buSzPts val="800"/>
+            </a:pPr>
+            <a:r>
+              <a:rPr lang="en-GB" sz="1200" dirty="0">
+                <a:solidFill>
+                  <a:srgbClr val="000000"/>
+                </a:solidFill>
+                <a:latin typeface="Segoe UI"/>
+              </a:rPr>
+              <a:t>resources</a:t>
+            </a:r>
+            <a:endParaRPr sz="1200" dirty="0">
+              <a:solidFill>
+                <a:srgbClr val="000000"/>
+              </a:solidFill>
+              <a:latin typeface="Segoe UI"/>
+            </a:endParaRPr>
+          </a:p>
+        </p:txBody>
+      </p:sp>
+      <p:pic>
+        <p:nvPicPr>
+          <p:cNvPr id="8" name="Graphic 7">
+            <a:extLst>
+              <a:ext uri="{FF2B5EF4-FFF2-40B4-BE49-F238E27FC236}">
+                <a16:creationId xmlns:a16="http://schemas.microsoft.com/office/drawing/2014/main" id="{86E1258B-66C7-486A-99F6-8DE53F75982C}"/>
+              </a:ext>
+            </a:extLst>
+          </p:cNvPr>
+          <p:cNvPicPr>
+            <a:picLocks noChangeAspect="1"/>
+          </p:cNvPicPr>
+          <p:nvPr/>
+        </p:nvPicPr>
+        <p:blipFill>
+          <a:blip r:embed="rId6">
+            <a:extLst>
+              <a:ext uri="{28A0092B-C50C-407E-A947-70E740481C1C}">
+                <a14:useLocalDpi xmlns:a14="http://schemas.microsoft.com/office/drawing/2010/main" val="0"/>
+              </a:ext>
+              <a:ext uri="{96DAC541-7B7A-43D3-8B79-37D633B846F1}">
+                <asvg:svgBlip xmlns:asvg="http://schemas.microsoft.com/office/drawing/2016/SVG/main" r:embed="rId7"/>
+              </a:ext>
+            </a:extLst>
+          </a:blip>
+          <a:stretch>
+            <a:fillRect/>
+          </a:stretch>
+        </p:blipFill>
+        <p:spPr>
+          <a:xfrm>
+            <a:off x="2204470" y="5588823"/>
+            <a:ext cx="599067" cy="599067"/>
+          </a:xfrm>
+          <a:prstGeom prst="rect">
+            <a:avLst/>
+          </a:prstGeom>
+        </p:spPr>
+      </p:pic>
+      <p:sp>
+        <p:nvSpPr>
+          <p:cNvPr id="11" name="Google Shape;87;p16">
+            <a:extLst>
+              <a:ext uri="{FF2B5EF4-FFF2-40B4-BE49-F238E27FC236}">
+                <a16:creationId xmlns:a16="http://schemas.microsoft.com/office/drawing/2014/main" id="{AD18CF54-DC24-4392-9920-6CA596D6A128}"/>
+              </a:ext>
+            </a:extLst>
+          </p:cNvPr>
+          <p:cNvSpPr txBox="1"/>
+          <p:nvPr/>
+        </p:nvSpPr>
+        <p:spPr>
+          <a:xfrm>
+            <a:off x="1854786" y="6283758"/>
+            <a:ext cx="1128726" cy="189288"/>
+          </a:xfrm>
+          <a:prstGeom prst="rect">
+            <a:avLst/>
+          </a:prstGeom>
+          <a:noFill/>
+          <a:ln>
+            <a:noFill/>
+          </a:ln>
+        </p:spPr>
+        <p:txBody>
+          <a:bodyPr spcFirstLastPara="1" wrap="square" lIns="89628" tIns="44802" rIns="89628" bIns="44802" anchor="ctr" anchorCtr="0">
+            <a:noAutofit/>
+          </a:bodyPr>
+          <a:lstStyle/>
+          <a:p>
+            <a:pPr algn="ctr" defTabSz="914367">
+              <a:buClr>
+                <a:srgbClr val="000000"/>
+              </a:buClr>
+              <a:buSzPts val="800"/>
+            </a:pPr>
+            <a:r>
+              <a:rPr lang="en-GB" sz="1200" dirty="0">
+                <a:solidFill>
+                  <a:srgbClr val="000000"/>
+                </a:solidFill>
+                <a:latin typeface="Segoe UI"/>
+              </a:rPr>
+              <a:t>Azure </a:t>
+            </a:r>
+          </a:p>
+          <a:p>
+            <a:pPr algn="ctr" defTabSz="914367">
+              <a:buClr>
+                <a:srgbClr val="000000"/>
+              </a:buClr>
+              <a:buSzPts val="800"/>
+            </a:pPr>
+            <a:r>
+              <a:rPr lang="en-GB" sz="1200" dirty="0">
+                <a:solidFill>
+                  <a:srgbClr val="000000"/>
+                </a:solidFill>
+                <a:latin typeface="Segoe UI"/>
+              </a:rPr>
+              <a:t>DB for MySQL </a:t>
+            </a:r>
+            <a:endParaRPr sz="1200" dirty="0">
+              <a:solidFill>
+                <a:srgbClr val="000000"/>
+              </a:solidFill>
+              <a:latin typeface="Segoe UI"/>
+            </a:endParaRPr>
+          </a:p>
+        </p:txBody>
+      </p:sp>
+      <p:sp>
+        <p:nvSpPr>
+          <p:cNvPr id="2" name="Rectangle 1">
+            <a:extLst>
+              <a:ext uri="{FF2B5EF4-FFF2-40B4-BE49-F238E27FC236}">
+                <a16:creationId xmlns:a16="http://schemas.microsoft.com/office/drawing/2014/main" id="{CA7B9857-DEAE-F0B4-8783-4A492FBCBE0C}"/>
+              </a:ext>
+            </a:extLst>
+          </p:cNvPr>
+          <p:cNvSpPr/>
+          <p:nvPr/>
+        </p:nvSpPr>
+        <p:spPr>
+          <a:xfrm>
+            <a:off x="1954785" y="2660872"/>
+            <a:ext cx="2229365" cy="776431"/>
+          </a:xfrm>
+          <a:prstGeom prst="rect">
+            <a:avLst/>
+          </a:prstGeom>
+          <a:solidFill>
+            <a:srgbClr val="6DB33F"/>
+          </a:solidFill>
+          <a:ln w="6350" cap="flat" cmpd="sng" algn="ctr">
+            <a:noFill/>
+            <a:prstDash val="solid"/>
+            <a:miter lim="800000"/>
+          </a:ln>
+          <a:effectLst/>
+        </p:spPr>
+        <p:style>
+          <a:lnRef idx="0">
+            <a:scrgbClr r="0" g="0" b="0"/>
+          </a:lnRef>
+          <a:fillRef idx="0">
+            <a:scrgbClr r="0" g="0" b="0"/>
+          </a:fillRef>
+          <a:effectRef idx="0">
+            <a:scrgbClr r="0" g="0" b="0"/>
+          </a:effectRef>
+          <a:fontRef idx="major"/>
+        </p:style>
+        <p:txBody>
+          <a:bodyPr lIns="134464" tIns="118800" bIns="118800" rtlCol="0" anchor="ctr" anchorCtr="0"/>
+          <a:lstStyle/>
+          <a:p>
+            <a:pPr algn="ctr" defTabSz="896386">
+              <a:defRPr/>
+            </a:pPr>
+            <a:r>
+              <a:rPr lang="en-US" sz="1765" b="1" kern="0" dirty="0">
+                <a:solidFill>
+                  <a:srgbClr val="FFFFFF"/>
+                </a:solidFill>
+                <a:latin typeface="Segoe UI"/>
+              </a:rPr>
+              <a:t>Spring Cloud</a:t>
+            </a:r>
+          </a:p>
+          <a:p>
+            <a:pPr algn="ctr" defTabSz="896386">
+              <a:defRPr/>
+            </a:pPr>
+            <a:r>
+              <a:rPr lang="en-US" sz="1765" b="1" kern="0" dirty="0">
+                <a:solidFill>
+                  <a:srgbClr val="FFFFFF"/>
+                </a:solidFill>
+                <a:latin typeface="Segoe UI"/>
+              </a:rPr>
+              <a:t>Config Server</a:t>
+            </a:r>
+            <a:endParaRPr lang="en-US" sz="1765" kern="0" dirty="0">
+              <a:solidFill>
+                <a:srgbClr val="FFFFFF"/>
+              </a:solidFill>
+              <a:latin typeface="Segoe UI"/>
+            </a:endParaRPr>
+          </a:p>
+        </p:txBody>
+      </p:sp>
+      <p:pic>
+        <p:nvPicPr>
+          <p:cNvPr id="3" name="Picture 45" descr="RÃ©sultats de recherche d'images pour Â«Â github logoÂ Â»">
+            <a:extLst>
+              <a:ext uri="{FF2B5EF4-FFF2-40B4-BE49-F238E27FC236}">
+                <a16:creationId xmlns:a16="http://schemas.microsoft.com/office/drawing/2014/main" id="{1999E6E3-C216-1984-F80C-47B8A2A26547}"/>
+              </a:ext>
+            </a:extLst>
+          </p:cNvPr>
+          <p:cNvPicPr>
+            <a:picLocks noChangeAspect="1" noChangeArrowheads="1"/>
+          </p:cNvPicPr>
+          <p:nvPr/>
+        </p:nvPicPr>
+        <p:blipFill>
+          <a:blip r:embed="rId8">
+            <a:extLst>
+              <a:ext uri="{28A0092B-C50C-407E-A947-70E740481C1C}">
+                <a14:useLocalDpi xmlns:a14="http://schemas.microsoft.com/office/drawing/2010/main" val="0"/>
+              </a:ext>
+            </a:extLst>
+          </a:blip>
+          <a:srcRect/>
+          <a:stretch>
+            <a:fillRect/>
+          </a:stretch>
+        </p:blipFill>
+        <p:spPr bwMode="auto">
+          <a:xfrm>
+            <a:off x="2709467" y="1037323"/>
+            <a:ext cx="720000" cy="720000"/>
+          </a:xfrm>
+          <a:prstGeom prst="rect">
+            <a:avLst/>
+          </a:prstGeom>
+          <a:noFill/>
+          <a:extLst>
+            <a:ext uri="{909E8E84-426E-40DD-AFC4-6F175D3DCCD1}">
+              <a14:hiddenFill xmlns:a14="http://schemas.microsoft.com/office/drawing/2010/main">
+                <a:solidFill>
+                  <a:srgbClr val="FFFFFF"/>
+                </a:solidFill>
+              </a14:hiddenFill>
+            </a:ext>
+          </a:extLst>
+        </p:spPr>
+      </p:pic>
+      <p:pic>
+        <p:nvPicPr>
+          <p:cNvPr id="4" name="Image 54" descr="3491B809">
+            <a:extLst>
+              <a:ext uri="{FF2B5EF4-FFF2-40B4-BE49-F238E27FC236}">
+                <a16:creationId xmlns:a16="http://schemas.microsoft.com/office/drawing/2014/main" id="{A693A6EB-775B-7E18-16DA-FBAF830F0794}"/>
+              </a:ext>
+            </a:extLst>
+          </p:cNvPr>
+          <p:cNvPicPr>
+            <a:picLocks noChangeAspect="1" noChangeArrowheads="1"/>
+          </p:cNvPicPr>
+          <p:nvPr/>
+        </p:nvPicPr>
+        <p:blipFill>
+          <a:blip r:embed="rId9">
+            <a:extLst>
+              <a:ext uri="{28A0092B-C50C-407E-A947-70E740481C1C}">
+                <a14:useLocalDpi xmlns:a14="http://schemas.microsoft.com/office/drawing/2010/main" val="0"/>
+              </a:ext>
+            </a:extLst>
+          </a:blip>
+          <a:srcRect/>
+          <a:stretch>
+            <a:fillRect/>
+          </a:stretch>
+        </p:blipFill>
+        <p:spPr bwMode="auto">
+          <a:xfrm>
+            <a:off x="2533708" y="1577323"/>
+            <a:ext cx="1052307" cy="360000"/>
+          </a:xfrm>
+          <a:prstGeom prst="rect">
+            <a:avLst/>
+          </a:prstGeom>
+          <a:noFill/>
+          <a:extLst>
+            <a:ext uri="{909E8E84-426E-40DD-AFC4-6F175D3DCCD1}">
+              <a14:hiddenFill xmlns:a14="http://schemas.microsoft.com/office/drawing/2010/main">
+                <a:solidFill>
+                  <a:srgbClr val="FFFFFF"/>
+                </a:solidFill>
+              </a14:hiddenFill>
+            </a:ext>
+          </a:extLst>
+        </p:spPr>
+      </p:pic>
       <p:cxnSp>
         <p:nvCxnSpPr>
-          <p:cNvPr id="44" name="Google Shape;1220;p51">
+          <p:cNvPr id="5" name="Google Shape;1220;p51">
             <a:extLst>
               <a:ext uri="{FF2B5EF4-FFF2-40B4-BE49-F238E27FC236}">
-                <a16:creationId xmlns:a16="http://schemas.microsoft.com/office/drawing/2014/main" id="{1EB3C14D-D440-4F69-B9F6-26C8707EF28F}"/>
+                <a16:creationId xmlns:a16="http://schemas.microsoft.com/office/drawing/2014/main" id="{35EA8526-6256-EA6E-BAD8-555E7C92E4F9}"/>
+              </a:ext>
+            </a:extLst>
+          </p:cNvPr>
+          <p:cNvCxnSpPr>
+            <a:cxnSpLocks/>
+            <a:stCxn id="2" idx="0"/>
+            <a:endCxn id="4" idx="2"/>
+          </p:cNvCxnSpPr>
+          <p:nvPr/>
+        </p:nvCxnSpPr>
+        <p:spPr>
+          <a:xfrm flipH="1" flipV="1">
+            <a:off x="3059862" y="1937323"/>
+            <a:ext cx="9606" cy="723549"/>
+          </a:xfrm>
+          <a:prstGeom prst="straightConnector1">
+            <a:avLst/>
+          </a:prstGeom>
+          <a:noFill/>
+          <a:ln w="38100" cap="flat" cmpd="sng">
+            <a:solidFill>
+              <a:srgbClr val="3E2C00"/>
+            </a:solidFill>
+            <a:prstDash val="solid"/>
+            <a:round/>
+            <a:headEnd type="none" w="sm" len="sm"/>
+            <a:tailEnd type="triangle" w="sm" len="sm"/>
+          </a:ln>
+        </p:spPr>
+      </p:cxnSp>
+      <p:cxnSp>
+        <p:nvCxnSpPr>
+          <p:cNvPr id="15" name="Google Shape;1220;p51">
+            <a:extLst>
+              <a:ext uri="{FF2B5EF4-FFF2-40B4-BE49-F238E27FC236}">
+                <a16:creationId xmlns:a16="http://schemas.microsoft.com/office/drawing/2014/main" id="{130BECC0-3A55-5206-2934-76C149B37972}"/>
+              </a:ext>
+            </a:extLst>
+          </p:cNvPr>
+          <p:cNvCxnSpPr>
+            <a:cxnSpLocks/>
+            <a:stCxn id="33" idx="0"/>
+            <a:endCxn id="2" idx="2"/>
+          </p:cNvCxnSpPr>
+          <p:nvPr/>
+        </p:nvCxnSpPr>
+        <p:spPr>
+          <a:xfrm flipH="1" flipV="1">
+            <a:off x="3069468" y="3437303"/>
+            <a:ext cx="1391" cy="1244387"/>
+          </a:xfrm>
+          <a:prstGeom prst="straightConnector1">
+            <a:avLst/>
+          </a:prstGeom>
+          <a:noFill/>
+          <a:ln w="38100" cap="flat" cmpd="sng">
+            <a:solidFill>
+              <a:srgbClr val="F14E32"/>
+            </a:solidFill>
+            <a:prstDash val="solid"/>
+            <a:round/>
+            <a:headEnd type="none" w="sm" len="sm"/>
+            <a:tailEnd type="triangle" w="sm" len="sm"/>
+          </a:ln>
+        </p:spPr>
+      </p:cxnSp>
+      <p:sp>
+        <p:nvSpPr>
+          <p:cNvPr id="19" name="Google Shape;87;p16">
+            <a:extLst>
+              <a:ext uri="{FF2B5EF4-FFF2-40B4-BE49-F238E27FC236}">
+                <a16:creationId xmlns:a16="http://schemas.microsoft.com/office/drawing/2014/main" id="{3D39D44F-1D50-304E-64B3-203F9BDB2F1C}"/>
+              </a:ext>
+            </a:extLst>
+          </p:cNvPr>
+          <p:cNvSpPr txBox="1"/>
+          <p:nvPr/>
+        </p:nvSpPr>
+        <p:spPr>
+          <a:xfrm>
+            <a:off x="1474692" y="3870208"/>
+            <a:ext cx="1658383" cy="189288"/>
+          </a:xfrm>
+          <a:prstGeom prst="rect">
+            <a:avLst/>
+          </a:prstGeom>
+          <a:noFill/>
+          <a:ln>
+            <a:noFill/>
+          </a:ln>
+        </p:spPr>
+        <p:txBody>
+          <a:bodyPr spcFirstLastPara="1" wrap="square" lIns="89628" tIns="44802" rIns="89628" bIns="44802" anchor="ctr" anchorCtr="0">
+            <a:noAutofit/>
+          </a:bodyPr>
+          <a:lstStyle/>
+          <a:p>
+            <a:pPr algn="ctr" defTabSz="914367">
+              <a:buClr>
+                <a:srgbClr val="000000"/>
+              </a:buClr>
+              <a:buSzPts val="800"/>
+            </a:pPr>
+            <a:r>
+              <a:rPr lang="en-GB" sz="1200" dirty="0">
+                <a:solidFill>
+                  <a:srgbClr val="000000"/>
+                </a:solidFill>
+                <a:latin typeface="Segoe UI"/>
+              </a:rPr>
+              <a:t>Fetch configuration</a:t>
+            </a:r>
+            <a:endParaRPr sz="1200" dirty="0">
+              <a:solidFill>
+                <a:srgbClr val="000000"/>
+              </a:solidFill>
+              <a:latin typeface="Segoe UI"/>
+            </a:endParaRPr>
+          </a:p>
+        </p:txBody>
+      </p:sp>
+      <p:sp>
+        <p:nvSpPr>
+          <p:cNvPr id="21" name="Google Shape;87;p16">
+            <a:extLst>
+              <a:ext uri="{FF2B5EF4-FFF2-40B4-BE49-F238E27FC236}">
+                <a16:creationId xmlns:a16="http://schemas.microsoft.com/office/drawing/2014/main" id="{C8839950-24CF-DEC7-81CB-80A6382DCAAB}"/>
+              </a:ext>
+            </a:extLst>
+          </p:cNvPr>
+          <p:cNvSpPr txBox="1"/>
+          <p:nvPr/>
+        </p:nvSpPr>
+        <p:spPr>
+          <a:xfrm>
+            <a:off x="1450144" y="2103896"/>
+            <a:ext cx="1658383" cy="189288"/>
+          </a:xfrm>
+          <a:prstGeom prst="rect">
+            <a:avLst/>
+          </a:prstGeom>
+          <a:noFill/>
+          <a:ln>
+            <a:noFill/>
+          </a:ln>
+        </p:spPr>
+        <p:txBody>
+          <a:bodyPr spcFirstLastPara="1" wrap="square" lIns="89628" tIns="44802" rIns="89628" bIns="44802" anchor="ctr" anchorCtr="0">
+            <a:noAutofit/>
+          </a:bodyPr>
+          <a:lstStyle/>
+          <a:p>
+            <a:pPr algn="ctr" defTabSz="914367">
+              <a:buClr>
+                <a:srgbClr val="000000"/>
+              </a:buClr>
+              <a:buSzPts val="800"/>
+            </a:pPr>
+            <a:r>
+              <a:rPr lang="en-GB" sz="1200" dirty="0">
+                <a:solidFill>
+                  <a:srgbClr val="000000"/>
+                </a:solidFill>
+                <a:latin typeface="Segoe UI"/>
+              </a:rPr>
+              <a:t>Get </a:t>
+            </a:r>
+            <a:r>
+              <a:rPr lang="en-GB" sz="1200" dirty="0" err="1">
+                <a:solidFill>
+                  <a:srgbClr val="000000"/>
+                </a:solidFill>
+                <a:latin typeface="Segoe UI"/>
+              </a:rPr>
+              <a:t>Yaml</a:t>
+            </a:r>
+            <a:r>
+              <a:rPr lang="en-GB" sz="1200" dirty="0">
+                <a:solidFill>
+                  <a:srgbClr val="000000"/>
+                </a:solidFill>
+                <a:latin typeface="Segoe UI"/>
+              </a:rPr>
+              <a:t> versioned configuration files</a:t>
+            </a:r>
+            <a:endParaRPr sz="1200" dirty="0">
+              <a:solidFill>
+                <a:srgbClr val="000000"/>
+              </a:solidFill>
+              <a:latin typeface="Segoe UI"/>
+            </a:endParaRPr>
+          </a:p>
+        </p:txBody>
+      </p:sp>
+      <p:pic>
+        <p:nvPicPr>
+          <p:cNvPr id="31" name="Graphic 30">
+            <a:extLst>
+              <a:ext uri="{FF2B5EF4-FFF2-40B4-BE49-F238E27FC236}">
+                <a16:creationId xmlns:a16="http://schemas.microsoft.com/office/drawing/2014/main" id="{5D5275CC-4470-3B80-D2D5-1BDD2B54B107}"/>
+              </a:ext>
+            </a:extLst>
+          </p:cNvPr>
+          <p:cNvPicPr>
+            <a:picLocks noChangeAspect="1"/>
+          </p:cNvPicPr>
+          <p:nvPr/>
+        </p:nvPicPr>
+        <p:blipFill>
+          <a:blip r:embed="rId10">
+            <a:extLst>
+              <a:ext uri="{28A0092B-C50C-407E-A947-70E740481C1C}">
+                <a14:useLocalDpi xmlns:a14="http://schemas.microsoft.com/office/drawing/2010/main" val="0"/>
+              </a:ext>
+              <a:ext uri="{96DAC541-7B7A-43D3-8B79-37D633B846F1}">
+                <asvg:svgBlip xmlns:asvg="http://schemas.microsoft.com/office/drawing/2016/SVG/main" r:embed="rId11"/>
+              </a:ext>
+            </a:extLst>
+          </a:blip>
+          <a:stretch>
+            <a:fillRect/>
+          </a:stretch>
+        </p:blipFill>
+        <p:spPr>
+          <a:xfrm>
+            <a:off x="3300035" y="5618356"/>
+            <a:ext cx="540000" cy="540000"/>
+          </a:xfrm>
+          <a:prstGeom prst="rect">
+            <a:avLst/>
+          </a:prstGeom>
+        </p:spPr>
+      </p:pic>
+      <p:cxnSp>
+        <p:nvCxnSpPr>
+          <p:cNvPr id="36" name="Google Shape;1220;p51">
+            <a:extLst>
+              <a:ext uri="{FF2B5EF4-FFF2-40B4-BE49-F238E27FC236}">
+                <a16:creationId xmlns:a16="http://schemas.microsoft.com/office/drawing/2014/main" id="{57050B4A-DA69-FD5D-D6C8-4892BB31513D}"/>
               </a:ext>
             </a:extLst>
           </p:cNvPr>
@@ -19012,9 +19882,9 @@
           <p:nvPr/>
         </p:nvCxnSpPr>
         <p:spPr>
-          <a:xfrm flipH="1">
-            <a:off x="5920742" y="1274725"/>
-            <a:ext cx="4412" cy="1396389"/>
+          <a:xfrm>
+            <a:off x="6371491" y="1757323"/>
+            <a:ext cx="7762" cy="893222"/>
           </a:xfrm>
           <a:prstGeom prst="straightConnector1">
             <a:avLst/>
@@ -19033,10 +19903,10 @@
       </p:cxnSp>
       <p:sp>
         <p:nvSpPr>
-          <p:cNvPr id="45" name="Google Shape;134;p16">
+          <p:cNvPr id="39" name="Google Shape;87;p16">
             <a:extLst>
               <a:ext uri="{FF2B5EF4-FFF2-40B4-BE49-F238E27FC236}">
-                <a16:creationId xmlns:a16="http://schemas.microsoft.com/office/drawing/2014/main" id="{13905C22-D6E6-4973-9223-30D4B376550C}"/>
+                <a16:creationId xmlns:a16="http://schemas.microsoft.com/office/drawing/2014/main" id="{83BB3FBA-19B8-DFF3-83DB-DF99FF163848}"/>
               </a:ext>
             </a:extLst>
           </p:cNvPr>
@@ -19045,8 +19915,8 @@
         </p:nvSpPr>
         <p:spPr>
           <a:xfrm>
-            <a:off x="6375372" y="1703562"/>
-            <a:ext cx="1136667" cy="296008"/>
+            <a:off x="3005672" y="6283758"/>
+            <a:ext cx="1128726" cy="189288"/>
           </a:xfrm>
           <a:prstGeom prst="rect">
             <a:avLst/>
@@ -19075,7 +19945,24 @@
                 </a:solidFill>
                 <a:latin typeface="Segoe UI"/>
               </a:rPr>
-              <a:t>REST requests</a:t>
+              <a:t>Azure </a:t>
+            </a:r>
+          </a:p>
+          <a:p>
+            <a:pPr algn="ctr" defTabSz="914367">
+              <a:buClr>
+                <a:srgbClr val="000000"/>
+              </a:buClr>
+              <a:buSzPts val="800"/>
+            </a:pPr>
+            <a:r>
+              <a:rPr lang="en-GB" sz="1200" dirty="0">
+                <a:solidFill>
+                  <a:srgbClr val="000000"/>
+                </a:solidFill>
+                <a:latin typeface="Segoe UI"/>
+              </a:rPr>
+              <a:t>Key Vault </a:t>
             </a:r>
             <a:endParaRPr sz="1200" dirty="0">
               <a:solidFill>
@@ -19088,10 +19975,10 @@
       </p:sp>
       <p:sp>
         <p:nvSpPr>
-          <p:cNvPr id="46" name="Google Shape;134;p16">
+          <p:cNvPr id="48" name="Google Shape;87;p16">
             <a:extLst>
               <a:ext uri="{FF2B5EF4-FFF2-40B4-BE49-F238E27FC236}">
-                <a16:creationId xmlns:a16="http://schemas.microsoft.com/office/drawing/2014/main" id="{B32028B2-13DA-4D85-A0DD-6D32BD20FDA4}"/>
+                <a16:creationId xmlns:a16="http://schemas.microsoft.com/office/drawing/2014/main" id="{D68C6620-B75F-8B54-E6EF-B99D62C2465F}"/>
               </a:ext>
             </a:extLst>
           </p:cNvPr>
@@ -19100,8 +19987,8 @@
         </p:nvSpPr>
         <p:spPr>
           <a:xfrm>
-            <a:off x="4635216" y="1698257"/>
-            <a:ext cx="1279156" cy="296008"/>
+            <a:off x="4931069" y="6280593"/>
+            <a:ext cx="1128726" cy="189288"/>
           </a:xfrm>
           <a:prstGeom prst="rect">
             <a:avLst/>
@@ -19130,7 +20017,24 @@
                 </a:solidFill>
                 <a:latin typeface="Segoe UI"/>
               </a:rPr>
-              <a:t>Static resources</a:t>
+              <a:t>Azure </a:t>
+            </a:r>
+          </a:p>
+          <a:p>
+            <a:pPr algn="ctr" defTabSz="914367">
+              <a:buClr>
+                <a:srgbClr val="000000"/>
+              </a:buClr>
+              <a:buSzPts val="800"/>
+            </a:pPr>
+            <a:r>
+              <a:rPr lang="en-GB" sz="1200" dirty="0">
+                <a:solidFill>
+                  <a:srgbClr val="000000"/>
+                </a:solidFill>
+                <a:latin typeface="Segoe UI"/>
+              </a:rPr>
+              <a:t>DB for MySQL </a:t>
             </a:r>
             <a:endParaRPr sz="1200" dirty="0">
               <a:solidFill>
@@ -19141,12 +20045,228 @@
           </a:p>
         </p:txBody>
       </p:sp>
+      <p:sp>
+        <p:nvSpPr>
+          <p:cNvPr id="49" name="Google Shape;87;p16">
+            <a:extLst>
+              <a:ext uri="{FF2B5EF4-FFF2-40B4-BE49-F238E27FC236}">
+                <a16:creationId xmlns:a16="http://schemas.microsoft.com/office/drawing/2014/main" id="{AADF8C8A-A59E-574C-4798-D3BA1B84511B}"/>
+              </a:ext>
+            </a:extLst>
+          </p:cNvPr>
+          <p:cNvSpPr txBox="1"/>
+          <p:nvPr/>
+        </p:nvSpPr>
+        <p:spPr>
+          <a:xfrm>
+            <a:off x="6081955" y="6280593"/>
+            <a:ext cx="1128726" cy="189288"/>
+          </a:xfrm>
+          <a:prstGeom prst="rect">
+            <a:avLst/>
+          </a:prstGeom>
+          <a:noFill/>
+          <a:ln>
+            <a:noFill/>
+          </a:ln>
+        </p:spPr>
+        <p:txBody>
+          <a:bodyPr spcFirstLastPara="1" wrap="square" lIns="89628" tIns="44802" rIns="89628" bIns="44802" anchor="ctr" anchorCtr="0">
+            <a:noAutofit/>
+          </a:bodyPr>
+          <a:lstStyle/>
+          <a:p>
+            <a:pPr algn="ctr" defTabSz="914367">
+              <a:buClr>
+                <a:srgbClr val="000000"/>
+              </a:buClr>
+              <a:buSzPts val="800"/>
+            </a:pPr>
+            <a:r>
+              <a:rPr lang="en-GB" sz="1200" dirty="0">
+                <a:solidFill>
+                  <a:srgbClr val="000000"/>
+                </a:solidFill>
+                <a:latin typeface="Segoe UI"/>
+              </a:rPr>
+              <a:t>Azure </a:t>
+            </a:r>
+          </a:p>
+          <a:p>
+            <a:pPr algn="ctr" defTabSz="914367">
+              <a:buClr>
+                <a:srgbClr val="000000"/>
+              </a:buClr>
+              <a:buSzPts val="800"/>
+            </a:pPr>
+            <a:r>
+              <a:rPr lang="en-GB" sz="1200" dirty="0">
+                <a:solidFill>
+                  <a:srgbClr val="000000"/>
+                </a:solidFill>
+                <a:latin typeface="Segoe UI"/>
+              </a:rPr>
+              <a:t>Key Vault </a:t>
+            </a:r>
+            <a:endParaRPr sz="1200" dirty="0">
+              <a:solidFill>
+                <a:srgbClr val="000000"/>
+              </a:solidFill>
+              <a:latin typeface="Segoe UI"/>
+            </a:endParaRPr>
+          </a:p>
+        </p:txBody>
+      </p:sp>
+      <p:sp>
+        <p:nvSpPr>
+          <p:cNvPr id="50" name="Google Shape;87;p16">
+            <a:extLst>
+              <a:ext uri="{FF2B5EF4-FFF2-40B4-BE49-F238E27FC236}">
+                <a16:creationId xmlns:a16="http://schemas.microsoft.com/office/drawing/2014/main" id="{11F0942B-C369-34CE-0CB8-6E624411E495}"/>
+              </a:ext>
+            </a:extLst>
+          </p:cNvPr>
+          <p:cNvSpPr txBox="1"/>
+          <p:nvPr/>
+        </p:nvSpPr>
+        <p:spPr>
+          <a:xfrm>
+            <a:off x="7955786" y="6280593"/>
+            <a:ext cx="1128726" cy="189288"/>
+          </a:xfrm>
+          <a:prstGeom prst="rect">
+            <a:avLst/>
+          </a:prstGeom>
+          <a:noFill/>
+          <a:ln>
+            <a:noFill/>
+          </a:ln>
+        </p:spPr>
+        <p:txBody>
+          <a:bodyPr spcFirstLastPara="1" wrap="square" lIns="89628" tIns="44802" rIns="89628" bIns="44802" anchor="ctr" anchorCtr="0">
+            <a:noAutofit/>
+          </a:bodyPr>
+          <a:lstStyle/>
+          <a:p>
+            <a:pPr algn="ctr" defTabSz="914367">
+              <a:buClr>
+                <a:srgbClr val="000000"/>
+              </a:buClr>
+              <a:buSzPts val="800"/>
+            </a:pPr>
+            <a:r>
+              <a:rPr lang="en-GB" sz="1200" dirty="0">
+                <a:solidFill>
+                  <a:srgbClr val="000000"/>
+                </a:solidFill>
+                <a:latin typeface="Segoe UI"/>
+              </a:rPr>
+              <a:t>Azure </a:t>
+            </a:r>
+          </a:p>
+          <a:p>
+            <a:pPr algn="ctr" defTabSz="914367">
+              <a:buClr>
+                <a:srgbClr val="000000"/>
+              </a:buClr>
+              <a:buSzPts val="800"/>
+            </a:pPr>
+            <a:r>
+              <a:rPr lang="en-GB" sz="1200" dirty="0">
+                <a:solidFill>
+                  <a:srgbClr val="000000"/>
+                </a:solidFill>
+                <a:latin typeface="Segoe UI"/>
+              </a:rPr>
+              <a:t>DB for MySQL </a:t>
+            </a:r>
+            <a:endParaRPr sz="1200" dirty="0">
+              <a:solidFill>
+                <a:srgbClr val="000000"/>
+              </a:solidFill>
+              <a:latin typeface="Segoe UI"/>
+            </a:endParaRPr>
+          </a:p>
+        </p:txBody>
+      </p:sp>
+      <p:sp>
+        <p:nvSpPr>
+          <p:cNvPr id="51" name="Google Shape;87;p16">
+            <a:extLst>
+              <a:ext uri="{FF2B5EF4-FFF2-40B4-BE49-F238E27FC236}">
+                <a16:creationId xmlns:a16="http://schemas.microsoft.com/office/drawing/2014/main" id="{710F6D66-2368-E0E6-0D63-D87569564D33}"/>
+              </a:ext>
+            </a:extLst>
+          </p:cNvPr>
+          <p:cNvSpPr txBox="1"/>
+          <p:nvPr/>
+        </p:nvSpPr>
+        <p:spPr>
+          <a:xfrm>
+            <a:off x="9106672" y="6280593"/>
+            <a:ext cx="1128726" cy="189288"/>
+          </a:xfrm>
+          <a:prstGeom prst="rect">
+            <a:avLst/>
+          </a:prstGeom>
+          <a:noFill/>
+          <a:ln>
+            <a:noFill/>
+          </a:ln>
+        </p:spPr>
+        <p:txBody>
+          <a:bodyPr spcFirstLastPara="1" wrap="square" lIns="89628" tIns="44802" rIns="89628" bIns="44802" anchor="ctr" anchorCtr="0">
+            <a:noAutofit/>
+          </a:bodyPr>
+          <a:lstStyle/>
+          <a:p>
+            <a:pPr algn="ctr" defTabSz="914367">
+              <a:buClr>
+                <a:srgbClr val="000000"/>
+              </a:buClr>
+              <a:buSzPts val="800"/>
+            </a:pPr>
+            <a:r>
+              <a:rPr lang="en-GB" sz="1200" dirty="0">
+                <a:solidFill>
+                  <a:srgbClr val="000000"/>
+                </a:solidFill>
+                <a:latin typeface="Segoe UI"/>
+              </a:rPr>
+              <a:t>Azure </a:t>
+            </a:r>
+          </a:p>
+          <a:p>
+            <a:pPr algn="ctr" defTabSz="914367">
+              <a:buClr>
+                <a:srgbClr val="000000"/>
+              </a:buClr>
+              <a:buSzPts val="800"/>
+            </a:pPr>
+            <a:r>
+              <a:rPr lang="en-GB" sz="1200" dirty="0">
+                <a:solidFill>
+                  <a:srgbClr val="000000"/>
+                </a:solidFill>
+                <a:latin typeface="Segoe UI"/>
+              </a:rPr>
+              <a:t>Key Vault </a:t>
+            </a:r>
+            <a:endParaRPr sz="1200" dirty="0">
+              <a:solidFill>
+                <a:srgbClr val="000000"/>
+              </a:solidFill>
+              <a:latin typeface="Segoe UI"/>
+            </a:endParaRPr>
+          </a:p>
+        </p:txBody>
+      </p:sp>
       <p:pic>
         <p:nvPicPr>
-          <p:cNvPr id="8" name="Graphic 7">
+          <p:cNvPr id="52" name="Graphic 51">
             <a:extLst>
               <a:ext uri="{FF2B5EF4-FFF2-40B4-BE49-F238E27FC236}">
-                <a16:creationId xmlns:a16="http://schemas.microsoft.com/office/drawing/2014/main" id="{86E1258B-66C7-486A-99F6-8DE53F75982C}"/>
+                <a16:creationId xmlns:a16="http://schemas.microsoft.com/office/drawing/2014/main" id="{F9D01FD9-9217-B61D-85AD-565A16C43229}"/>
               </a:ext>
             </a:extLst>
           </p:cNvPr>
@@ -19172,7 +20292,7 @@
         </p:blipFill>
         <p:spPr>
           <a:xfrm>
-            <a:off x="2611269" y="5618728"/>
+            <a:off x="5195898" y="5588823"/>
             <a:ext cx="599067" cy="599067"/>
           </a:xfrm>
           <a:prstGeom prst="rect">
@@ -19182,10 +20302,49 @@
       </p:pic>
       <p:pic>
         <p:nvPicPr>
-          <p:cNvPr id="9" name="Graphic 8">
+          <p:cNvPr id="53" name="Graphic 52">
             <a:extLst>
               <a:ext uri="{FF2B5EF4-FFF2-40B4-BE49-F238E27FC236}">
-                <a16:creationId xmlns:a16="http://schemas.microsoft.com/office/drawing/2014/main" id="{681ED6AD-CCA1-4F06-9D19-89C4705DB81B}"/>
+                <a16:creationId xmlns:a16="http://schemas.microsoft.com/office/drawing/2014/main" id="{E2456D0C-7208-3C73-3209-7E45502869B0}"/>
+              </a:ext>
+            </a:extLst>
+          </p:cNvPr>
+          <p:cNvPicPr>
+            <a:picLocks noChangeAspect="1"/>
+          </p:cNvPicPr>
+          <p:nvPr/>
+        </p:nvPicPr>
+        <p:blipFill>
+          <a:blip r:embed="rId10">
+            <a:extLst>
+              <a:ext uri="{28A0092B-C50C-407E-A947-70E740481C1C}">
+                <a14:useLocalDpi xmlns:a14="http://schemas.microsoft.com/office/drawing/2010/main" val="0"/>
+              </a:ext>
+              <a:ext uri="{96DAC541-7B7A-43D3-8B79-37D633B846F1}">
+                <asvg:svgBlip xmlns:asvg="http://schemas.microsoft.com/office/drawing/2016/SVG/main" r:embed="rId11"/>
+              </a:ext>
+            </a:extLst>
+          </a:blip>
+          <a:stretch>
+            <a:fillRect/>
+          </a:stretch>
+        </p:blipFill>
+        <p:spPr>
+          <a:xfrm>
+            <a:off x="6293165" y="5618356"/>
+            <a:ext cx="540000" cy="540000"/>
+          </a:xfrm>
+          <a:prstGeom prst="rect">
+            <a:avLst/>
+          </a:prstGeom>
+        </p:spPr>
+      </p:pic>
+      <p:pic>
+        <p:nvPicPr>
+          <p:cNvPr id="55" name="Graphic 54">
+            <a:extLst>
+              <a:ext uri="{FF2B5EF4-FFF2-40B4-BE49-F238E27FC236}">
+                <a16:creationId xmlns:a16="http://schemas.microsoft.com/office/drawing/2014/main" id="{3C23C6DA-A1B6-61B8-70AA-98B3498FF0B5}"/>
               </a:ext>
             </a:extLst>
           </p:cNvPr>
@@ -19211,7 +20370,7 @@
         </p:blipFill>
         <p:spPr>
           <a:xfrm>
-            <a:off x="5795708" y="5620964"/>
+            <a:off x="8247304" y="5588823"/>
             <a:ext cx="599067" cy="599067"/>
           </a:xfrm>
           <a:prstGeom prst="rect">
@@ -19221,10 +20380,10 @@
       </p:pic>
       <p:pic>
         <p:nvPicPr>
-          <p:cNvPr id="10" name="Graphic 9">
+          <p:cNvPr id="56" name="Graphic 55">
             <a:extLst>
               <a:ext uri="{FF2B5EF4-FFF2-40B4-BE49-F238E27FC236}">
-                <a16:creationId xmlns:a16="http://schemas.microsoft.com/office/drawing/2014/main" id="{EF64557F-BE1F-419E-8FE2-B5C97996CAD3}"/>
+                <a16:creationId xmlns:a16="http://schemas.microsoft.com/office/drawing/2014/main" id="{6E0630C6-0135-6E97-E602-BB21E1AC3E55}"/>
               </a:ext>
             </a:extLst>
           </p:cNvPr>
@@ -19234,13 +20393,13 @@
           <p:nvPr/>
         </p:nvPicPr>
         <p:blipFill>
-          <a:blip r:embed="rId6">
+          <a:blip r:embed="rId10">
             <a:extLst>
               <a:ext uri="{28A0092B-C50C-407E-A947-70E740481C1C}">
                 <a14:useLocalDpi xmlns:a14="http://schemas.microsoft.com/office/drawing/2010/main" val="0"/>
               </a:ext>
               <a:ext uri="{96DAC541-7B7A-43D3-8B79-37D633B846F1}">
-                <asvg:svgBlip xmlns:asvg="http://schemas.microsoft.com/office/drawing/2016/SVG/main" r:embed="rId7"/>
+                <asvg:svgBlip xmlns:asvg="http://schemas.microsoft.com/office/drawing/2016/SVG/main" r:embed="rId11"/>
               </a:ext>
             </a:extLst>
           </a:blip>
@@ -19250,8 +20409,8 @@
         </p:blipFill>
         <p:spPr>
           <a:xfrm>
-            <a:off x="8821604" y="5618728"/>
-            <a:ext cx="599067" cy="599067"/>
+            <a:off x="9342869" y="5618356"/>
+            <a:ext cx="540000" cy="540000"/>
           </a:xfrm>
           <a:prstGeom prst="rect">
             <a:avLst/>
@@ -19260,166 +20419,54 @@
       </p:pic>
       <p:sp>
         <p:nvSpPr>
-          <p:cNvPr id="11" name="Google Shape;87;p16">
+          <p:cNvPr id="57" name="Title 56">
             <a:extLst>
               <a:ext uri="{FF2B5EF4-FFF2-40B4-BE49-F238E27FC236}">
-                <a16:creationId xmlns:a16="http://schemas.microsoft.com/office/drawing/2014/main" id="{AD18CF54-DC24-4392-9920-6CA596D6A128}"/>
+                <a16:creationId xmlns:a16="http://schemas.microsoft.com/office/drawing/2014/main" id="{356926F5-AE99-A813-8233-76D859401823}"/>
               </a:ext>
             </a:extLst>
           </p:cNvPr>
-          <p:cNvSpPr txBox="1"/>
-          <p:nvPr/>
+          <p:cNvSpPr>
+            <a:spLocks noGrp="1"/>
+          </p:cNvSpPr>
+          <p:nvPr>
+            <p:ph type="title"/>
+          </p:nvPr>
         </p:nvSpPr>
         <p:spPr>
           <a:xfrm>
-            <a:off x="2081610" y="6283758"/>
-            <a:ext cx="1658383" cy="189288"/>
-          </a:xfrm>
-          <a:prstGeom prst="rect">
-            <a:avLst/>
-          </a:prstGeom>
-          <a:noFill/>
-          <a:ln>
-            <a:noFill/>
-          </a:ln>
+            <a:off x="442764" y="316756"/>
+            <a:ext cx="11306469" cy="403137"/>
+          </a:xfrm>
         </p:spPr>
         <p:txBody>
-          <a:bodyPr spcFirstLastPara="1" wrap="square" lIns="89628" tIns="44802" rIns="89628" bIns="44802" anchor="ctr" anchorCtr="0">
-            <a:noAutofit/>
-          </a:bodyPr>
+          <a:bodyPr/>
           <a:lstStyle/>
           <a:p>
-            <a:pPr algn="ctr" defTabSz="914367">
-              <a:buClr>
-                <a:srgbClr val="000000"/>
-              </a:buClr>
-              <a:buSzPts val="800"/>
-            </a:pPr>
-            <a:r>
-              <a:rPr lang="en-GB" sz="1200" dirty="0">
-                <a:solidFill>
-                  <a:srgbClr val="000000"/>
-                </a:solidFill>
-                <a:latin typeface="Segoe UI"/>
-              </a:rPr>
-              <a:t>Azure DB for MySQL </a:t>
-            </a:r>
-            <a:endParaRPr sz="1200" dirty="0">
-              <a:solidFill>
-                <a:srgbClr val="000000"/>
-              </a:solidFill>
-              <a:latin typeface="Segoe UI"/>
-            </a:endParaRPr>
-          </a:p>
-        </p:txBody>
-      </p:sp>
-      <p:sp>
-        <p:nvSpPr>
-          <p:cNvPr id="12" name="Google Shape;87;p16">
-            <a:extLst>
-              <a:ext uri="{FF2B5EF4-FFF2-40B4-BE49-F238E27FC236}">
-                <a16:creationId xmlns:a16="http://schemas.microsoft.com/office/drawing/2014/main" id="{FE3F05BA-E348-4D46-90FB-2F1AA771E7A4}"/>
-              </a:ext>
-            </a:extLst>
-          </p:cNvPr>
-          <p:cNvSpPr txBox="1"/>
-          <p:nvPr/>
-        </p:nvSpPr>
-        <p:spPr>
-          <a:xfrm>
-            <a:off x="5266049" y="6321552"/>
-            <a:ext cx="1658383" cy="189288"/>
-          </a:xfrm>
-          <a:prstGeom prst="rect">
-            <a:avLst/>
-          </a:prstGeom>
-          <a:noFill/>
-          <a:ln>
-            <a:noFill/>
-          </a:ln>
-        </p:spPr>
-        <p:txBody>
-          <a:bodyPr spcFirstLastPara="1" wrap="square" lIns="89628" tIns="44802" rIns="89628" bIns="44802" anchor="ctr" anchorCtr="0">
-            <a:noAutofit/>
-          </a:bodyPr>
-          <a:lstStyle/>
-          <a:p>
-            <a:pPr algn="ctr" defTabSz="914367">
-              <a:buClr>
-                <a:srgbClr val="000000"/>
-              </a:buClr>
-              <a:buSzPts val="800"/>
-            </a:pPr>
-            <a:r>
-              <a:rPr lang="en-GB" sz="1200" dirty="0">
-                <a:solidFill>
-                  <a:srgbClr val="000000"/>
-                </a:solidFill>
-                <a:latin typeface="Segoe UI"/>
-              </a:rPr>
-              <a:t>Azure DB for MySQL </a:t>
-            </a:r>
-            <a:endParaRPr sz="1200" dirty="0">
-              <a:solidFill>
-                <a:srgbClr val="000000"/>
-              </a:solidFill>
-              <a:latin typeface="Segoe UI"/>
-            </a:endParaRPr>
-          </a:p>
-        </p:txBody>
-      </p:sp>
-      <p:sp>
-        <p:nvSpPr>
-          <p:cNvPr id="13" name="Google Shape;87;p16">
-            <a:extLst>
-              <a:ext uri="{FF2B5EF4-FFF2-40B4-BE49-F238E27FC236}">
-                <a16:creationId xmlns:a16="http://schemas.microsoft.com/office/drawing/2014/main" id="{5377A6F2-F07C-4ED1-837F-393CE8287A54}"/>
-              </a:ext>
-            </a:extLst>
-          </p:cNvPr>
-          <p:cNvSpPr txBox="1"/>
-          <p:nvPr/>
-        </p:nvSpPr>
-        <p:spPr>
-          <a:xfrm>
-            <a:off x="8277480" y="6283758"/>
-            <a:ext cx="1658383" cy="189288"/>
-          </a:xfrm>
-          <a:prstGeom prst="rect">
-            <a:avLst/>
-          </a:prstGeom>
-          <a:noFill/>
-          <a:ln>
-            <a:noFill/>
-          </a:ln>
-        </p:spPr>
-        <p:txBody>
-          <a:bodyPr spcFirstLastPara="1" wrap="square" lIns="89628" tIns="44802" rIns="89628" bIns="44802" anchor="ctr" anchorCtr="0">
-            <a:noAutofit/>
-          </a:bodyPr>
-          <a:lstStyle/>
-          <a:p>
-            <a:pPr algn="ctr" defTabSz="914367">
-              <a:buClr>
-                <a:srgbClr val="000000"/>
-              </a:buClr>
-              <a:buSzPts val="800"/>
-            </a:pPr>
-            <a:r>
-              <a:rPr lang="en-GB" sz="1200" dirty="0">
-                <a:solidFill>
-                  <a:srgbClr val="000000"/>
-                </a:solidFill>
-                <a:latin typeface="Segoe UI"/>
-              </a:rPr>
-              <a:t>Azure DB for MySQL </a:t>
-            </a:r>
-            <a:endParaRPr sz="1200" dirty="0">
-              <a:solidFill>
-                <a:srgbClr val="000000"/>
-              </a:solidFill>
-              <a:latin typeface="Segoe UI"/>
-            </a:endParaRPr>
+            <a:r>
+              <a:rPr lang="fr-FR" dirty="0" err="1"/>
+              <a:t>Petclinic</a:t>
+            </a:r>
+            <a:r>
+              <a:rPr lang="fr-FR" dirty="0"/>
+              <a:t> High-</a:t>
+            </a:r>
+            <a:r>
+              <a:rPr lang="fr-FR" dirty="0" err="1"/>
+              <a:t>Level</a:t>
+            </a:r>
+            <a:r>
+              <a:rPr lang="fr-FR" dirty="0"/>
+              <a:t> Architecture </a:t>
+            </a:r>
+            <a:r>
+              <a:rPr lang="fr-FR" dirty="0" err="1"/>
+              <a:t>with</a:t>
+            </a:r>
+            <a:r>
+              <a:rPr lang="fr-FR" dirty="0"/>
+              <a:t> Azure Container Apps</a:t>
+            </a:r>
           </a:p>
         </p:txBody>
       </p:sp>
@@ -19441,6 +20488,1364 @@
 
 <file path=ppt/slides/slide2.xml><?xml version="1.0" encoding="utf-8"?>
 <p:sld xmlns:a="http://schemas.openxmlformats.org/drawingml/2006/main" xmlns:r="http://schemas.openxmlformats.org/officeDocument/2006/relationships" xmlns:p="http://schemas.openxmlformats.org/presentationml/2006/main">
+  <p:cSld>
+    <p:spTree>
+      <p:nvGrpSpPr>
+        <p:cNvPr id="1" name=""/>
+        <p:cNvGrpSpPr/>
+        <p:nvPr/>
+      </p:nvGrpSpPr>
+      <p:grpSpPr>
+        <a:xfrm>
+          <a:off x="0" y="0"/>
+          <a:ext cx="0" cy="0"/>
+          <a:chOff x="0" y="0"/>
+          <a:chExt cx="0" cy="0"/>
+        </a:xfrm>
+      </p:grpSpPr>
+      <p:sp>
+        <p:nvSpPr>
+          <p:cNvPr id="14" name="Rectangle 13">
+            <a:extLst>
+              <a:ext uri="{FF2B5EF4-FFF2-40B4-BE49-F238E27FC236}">
+                <a16:creationId xmlns:a16="http://schemas.microsoft.com/office/drawing/2014/main" id="{F06E5AC1-B7D6-403C-861C-7563BEAF3555}"/>
+              </a:ext>
+            </a:extLst>
+          </p:cNvPr>
+          <p:cNvSpPr/>
+          <p:nvPr/>
+        </p:nvSpPr>
+        <p:spPr>
+          <a:xfrm>
+            <a:off x="1375038" y="0"/>
+            <a:ext cx="9419007" cy="6675807"/>
+          </a:xfrm>
+          <a:prstGeom prst="rect">
+            <a:avLst/>
+          </a:prstGeom>
+          <a:solidFill>
+            <a:schemeClr val="bg1"/>
+          </a:solidFill>
+          <a:ln w="6350" cap="flat" cmpd="sng" algn="ctr">
+            <a:noFill/>
+            <a:prstDash val="solid"/>
+            <a:miter lim="800000"/>
+          </a:ln>
+          <a:effectLst/>
+        </p:spPr>
+        <p:style>
+          <a:lnRef idx="0">
+            <a:scrgbClr r="0" g="0" b="0"/>
+          </a:lnRef>
+          <a:fillRef idx="0">
+            <a:scrgbClr r="0" g="0" b="0"/>
+          </a:fillRef>
+          <a:effectRef idx="0">
+            <a:scrgbClr r="0" g="0" b="0"/>
+          </a:effectRef>
+          <a:fontRef idx="major"/>
+        </p:style>
+        <p:txBody>
+          <a:bodyPr lIns="134464" tIns="134464" rtlCol="0" anchor="t" anchorCtr="0"/>
+          <a:lstStyle/>
+          <a:p>
+            <a:pPr algn="ctr" defTabSz="896386">
+              <a:defRPr/>
+            </a:pPr>
+            <a:endParaRPr lang="en-US" sz="1765" kern="0" dirty="0">
+              <a:solidFill>
+                <a:srgbClr val="FFFFFF"/>
+              </a:solidFill>
+              <a:latin typeface="Segoe UI"/>
+            </a:endParaRPr>
+          </a:p>
+        </p:txBody>
+      </p:sp>
+      <p:sp>
+        <p:nvSpPr>
+          <p:cNvPr id="147" name="Rectangle 146">
+            <a:extLst>
+              <a:ext uri="{FF2B5EF4-FFF2-40B4-BE49-F238E27FC236}">
+                <a16:creationId xmlns:a16="http://schemas.microsoft.com/office/drawing/2014/main" id="{7979A319-3D25-45DD-9159-78C4A59103B7}"/>
+              </a:ext>
+            </a:extLst>
+          </p:cNvPr>
+          <p:cNvSpPr/>
+          <p:nvPr/>
+        </p:nvSpPr>
+        <p:spPr>
+          <a:xfrm>
+            <a:off x="4981316" y="2663477"/>
+            <a:ext cx="2229365" cy="776431"/>
+          </a:xfrm>
+          <a:prstGeom prst="rect">
+            <a:avLst/>
+          </a:prstGeom>
+          <a:solidFill>
+            <a:srgbClr val="4DB0FF"/>
+          </a:solidFill>
+          <a:ln w="6350" cap="flat" cmpd="sng" algn="ctr">
+            <a:noFill/>
+            <a:prstDash val="solid"/>
+            <a:miter lim="800000"/>
+          </a:ln>
+          <a:effectLst/>
+        </p:spPr>
+        <p:style>
+          <a:lnRef idx="0">
+            <a:scrgbClr r="0" g="0" b="0"/>
+          </a:lnRef>
+          <a:fillRef idx="0">
+            <a:scrgbClr r="0" g="0" b="0"/>
+          </a:fillRef>
+          <a:effectRef idx="0">
+            <a:scrgbClr r="0" g="0" b="0"/>
+          </a:effectRef>
+          <a:fontRef idx="major"/>
+        </p:style>
+        <p:txBody>
+          <a:bodyPr lIns="134464" tIns="118800" bIns="118800" rtlCol="0" anchor="ctr" anchorCtr="0"/>
+          <a:lstStyle/>
+          <a:p>
+            <a:pPr algn="ctr" defTabSz="896386">
+              <a:defRPr/>
+            </a:pPr>
+            <a:r>
+              <a:rPr lang="en-US" sz="1765" b="1" kern="0" dirty="0">
+                <a:solidFill>
+                  <a:srgbClr val="FFFFFF"/>
+                </a:solidFill>
+                <a:latin typeface="Segoe UI"/>
+              </a:rPr>
+              <a:t>UI + API Gateway</a:t>
+            </a:r>
+            <a:endParaRPr lang="en-US" sz="1765" kern="0" dirty="0">
+              <a:solidFill>
+                <a:srgbClr val="FFFFFF"/>
+              </a:solidFill>
+              <a:latin typeface="Segoe UI"/>
+            </a:endParaRPr>
+          </a:p>
+        </p:txBody>
+      </p:sp>
+      <p:cxnSp>
+        <p:nvCxnSpPr>
+          <p:cNvPr id="29" name="Google Shape;1220;p51">
+            <a:extLst>
+              <a:ext uri="{FF2B5EF4-FFF2-40B4-BE49-F238E27FC236}">
+                <a16:creationId xmlns:a16="http://schemas.microsoft.com/office/drawing/2014/main" id="{3649319D-B3E6-4E93-AB23-9EB371B5FA96}"/>
+              </a:ext>
+            </a:extLst>
+          </p:cNvPr>
+          <p:cNvCxnSpPr>
+            <a:cxnSpLocks/>
+            <a:stCxn id="147" idx="2"/>
+            <a:endCxn id="20" idx="0"/>
+          </p:cNvCxnSpPr>
+          <p:nvPr/>
+        </p:nvCxnSpPr>
+        <p:spPr>
+          <a:xfrm>
+            <a:off x="6095999" y="3439908"/>
+            <a:ext cx="0" cy="1249419"/>
+          </a:xfrm>
+          <a:prstGeom prst="straightConnector1">
+            <a:avLst/>
+          </a:prstGeom>
+          <a:noFill/>
+          <a:ln w="38100" cap="flat" cmpd="sng">
+            <a:solidFill>
+              <a:srgbClr val="00B050"/>
+            </a:solidFill>
+            <a:prstDash val="solid"/>
+            <a:round/>
+            <a:headEnd type="none" w="sm" len="sm"/>
+            <a:tailEnd type="triangle" w="sm" len="sm"/>
+          </a:ln>
+        </p:spPr>
+      </p:cxnSp>
+      <p:sp>
+        <p:nvSpPr>
+          <p:cNvPr id="43" name="Google Shape;134;p16">
+            <a:extLst>
+              <a:ext uri="{FF2B5EF4-FFF2-40B4-BE49-F238E27FC236}">
+                <a16:creationId xmlns:a16="http://schemas.microsoft.com/office/drawing/2014/main" id="{2FCD2BC3-E3B0-4EED-BF6D-7366EC442C42}"/>
+              </a:ext>
+            </a:extLst>
+          </p:cNvPr>
+          <p:cNvSpPr txBox="1"/>
+          <p:nvPr/>
+        </p:nvSpPr>
+        <p:spPr>
+          <a:xfrm>
+            <a:off x="6258168" y="493424"/>
+            <a:ext cx="1025728" cy="296008"/>
+          </a:xfrm>
+          <a:prstGeom prst="rect">
+            <a:avLst/>
+          </a:prstGeom>
+          <a:noFill/>
+          <a:ln>
+            <a:noFill/>
+          </a:ln>
+        </p:spPr>
+        <p:txBody>
+          <a:bodyPr spcFirstLastPara="1" wrap="square" lIns="89628" tIns="44802" rIns="89628" bIns="44802" anchor="ctr" anchorCtr="0">
+            <a:noAutofit/>
+          </a:bodyPr>
+          <a:lstStyle/>
+          <a:p>
+            <a:pPr algn="ctr" defTabSz="914367">
+              <a:buClr>
+                <a:srgbClr val="000000"/>
+              </a:buClr>
+              <a:buSzPts val="800"/>
+            </a:pPr>
+            <a:r>
+              <a:rPr lang="en-GB" sz="1200" dirty="0">
+                <a:solidFill>
+                  <a:srgbClr val="000000"/>
+                </a:solidFill>
+                <a:latin typeface="Segoe UI"/>
+              </a:rPr>
+              <a:t>End-User</a:t>
+            </a:r>
+            <a:endParaRPr sz="1200" dirty="0">
+              <a:solidFill>
+                <a:srgbClr val="000000"/>
+              </a:solidFill>
+              <a:latin typeface="Segoe UI"/>
+            </a:endParaRPr>
+          </a:p>
+        </p:txBody>
+      </p:sp>
+      <p:pic>
+        <p:nvPicPr>
+          <p:cNvPr id="54" name="Google Shape;578;p58">
+            <a:extLst>
+              <a:ext uri="{FF2B5EF4-FFF2-40B4-BE49-F238E27FC236}">
+                <a16:creationId xmlns:a16="http://schemas.microsoft.com/office/drawing/2014/main" id="{344DEA19-BA1E-4635-B5D1-0FF0CD233EEE}"/>
+              </a:ext>
+            </a:extLst>
+          </p:cNvPr>
+          <p:cNvPicPr>
+            <a:picLocks noChangeAspect="1"/>
+          </p:cNvPicPr>
+          <p:nvPr/>
+        </p:nvPicPr>
+        <p:blipFill>
+          <a:blip r:embed="rId3">
+            <a:lum/>
+            <a:alphaModFix/>
+          </a:blip>
+          <a:srcRect/>
+          <a:stretch>
+            <a:fillRect/>
+          </a:stretch>
+        </p:blipFill>
+        <p:spPr>
+          <a:xfrm>
+            <a:off x="5914371" y="492842"/>
+            <a:ext cx="361745" cy="289397"/>
+          </a:xfrm>
+          <a:prstGeom prst="rect">
+            <a:avLst/>
+          </a:prstGeom>
+          <a:noFill/>
+          <a:ln>
+            <a:noFill/>
+          </a:ln>
+        </p:spPr>
+      </p:pic>
+      <p:pic>
+        <p:nvPicPr>
+          <p:cNvPr id="1027" name="Picture 1026">
+            <a:extLst>
+              <a:ext uri="{FF2B5EF4-FFF2-40B4-BE49-F238E27FC236}">
+                <a16:creationId xmlns:a16="http://schemas.microsoft.com/office/drawing/2014/main" id="{DFCB5645-2870-4053-A7AD-6A44CBC453EB}"/>
+              </a:ext>
+            </a:extLst>
+          </p:cNvPr>
+          <p:cNvPicPr>
+            <a:picLocks noChangeAspect="1"/>
+          </p:cNvPicPr>
+          <p:nvPr/>
+        </p:nvPicPr>
+        <p:blipFill>
+          <a:blip r:embed="rId4"/>
+          <a:stretch>
+            <a:fillRect/>
+          </a:stretch>
+        </p:blipFill>
+        <p:spPr>
+          <a:xfrm>
+            <a:off x="5923949" y="914165"/>
+            <a:ext cx="352923" cy="352923"/>
+          </a:xfrm>
+          <a:prstGeom prst="rect">
+            <a:avLst/>
+          </a:prstGeom>
+        </p:spPr>
+      </p:pic>
+      <p:sp>
+        <p:nvSpPr>
+          <p:cNvPr id="17" name="Google Shape;134;p16">
+            <a:extLst>
+              <a:ext uri="{FF2B5EF4-FFF2-40B4-BE49-F238E27FC236}">
+                <a16:creationId xmlns:a16="http://schemas.microsoft.com/office/drawing/2014/main" id="{9D5201F3-2723-4343-A542-CAE9AD597B1E}"/>
+              </a:ext>
+            </a:extLst>
+          </p:cNvPr>
+          <p:cNvSpPr txBox="1"/>
+          <p:nvPr/>
+        </p:nvSpPr>
+        <p:spPr>
+          <a:xfrm>
+            <a:off x="6235922" y="940814"/>
+            <a:ext cx="1025728" cy="296008"/>
+          </a:xfrm>
+          <a:prstGeom prst="rect">
+            <a:avLst/>
+          </a:prstGeom>
+          <a:noFill/>
+          <a:ln>
+            <a:noFill/>
+          </a:ln>
+        </p:spPr>
+        <p:txBody>
+          <a:bodyPr spcFirstLastPara="1" wrap="square" lIns="89628" tIns="44802" rIns="89628" bIns="44802" anchor="ctr" anchorCtr="0">
+            <a:noAutofit/>
+          </a:bodyPr>
+          <a:lstStyle/>
+          <a:p>
+            <a:pPr algn="ctr" defTabSz="914367">
+              <a:buClr>
+                <a:srgbClr val="000000"/>
+              </a:buClr>
+              <a:buSzPts val="800"/>
+            </a:pPr>
+            <a:r>
+              <a:rPr lang="en-GB" sz="1200" dirty="0">
+                <a:solidFill>
+                  <a:srgbClr val="000000"/>
+                </a:solidFill>
+                <a:latin typeface="Segoe UI"/>
+              </a:rPr>
+              <a:t>Browser</a:t>
+            </a:r>
+            <a:endParaRPr sz="1200" dirty="0">
+              <a:solidFill>
+                <a:srgbClr val="000000"/>
+              </a:solidFill>
+              <a:latin typeface="Segoe UI"/>
+            </a:endParaRPr>
+          </a:p>
+        </p:txBody>
+      </p:sp>
+      <p:sp>
+        <p:nvSpPr>
+          <p:cNvPr id="20" name="Rectangle 19">
+            <a:extLst>
+              <a:ext uri="{FF2B5EF4-FFF2-40B4-BE49-F238E27FC236}">
+                <a16:creationId xmlns:a16="http://schemas.microsoft.com/office/drawing/2014/main" id="{91F57730-76C7-455C-9469-3903A5FA3638}"/>
+              </a:ext>
+            </a:extLst>
+          </p:cNvPr>
+          <p:cNvSpPr/>
+          <p:nvPr/>
+        </p:nvSpPr>
+        <p:spPr>
+          <a:xfrm>
+            <a:off x="4981316" y="4689327"/>
+            <a:ext cx="2229365" cy="776431"/>
+          </a:xfrm>
+          <a:prstGeom prst="rect">
+            <a:avLst/>
+          </a:prstGeom>
+          <a:solidFill>
+            <a:srgbClr val="4DB0FF"/>
+          </a:solidFill>
+          <a:ln w="6350" cap="flat" cmpd="sng" algn="ctr">
+            <a:noFill/>
+            <a:prstDash val="solid"/>
+            <a:miter lim="800000"/>
+          </a:ln>
+          <a:effectLst/>
+        </p:spPr>
+        <p:style>
+          <a:lnRef idx="0">
+            <a:scrgbClr r="0" g="0" b="0"/>
+          </a:lnRef>
+          <a:fillRef idx="0">
+            <a:scrgbClr r="0" g="0" b="0"/>
+          </a:fillRef>
+          <a:effectRef idx="0">
+            <a:scrgbClr r="0" g="0" b="0"/>
+          </a:effectRef>
+          <a:fontRef idx="major"/>
+        </p:style>
+        <p:txBody>
+          <a:bodyPr lIns="134464" tIns="118800" bIns="118800" rtlCol="0" anchor="ctr" anchorCtr="0"/>
+          <a:lstStyle/>
+          <a:p>
+            <a:pPr algn="ctr" defTabSz="896386">
+              <a:defRPr/>
+            </a:pPr>
+            <a:r>
+              <a:rPr lang="en-US" sz="1765" b="1" kern="0" dirty="0">
+                <a:solidFill>
+                  <a:srgbClr val="FFFFFF"/>
+                </a:solidFill>
+                <a:latin typeface="Segoe UI"/>
+              </a:rPr>
+              <a:t>vets-service</a:t>
+            </a:r>
+          </a:p>
+          <a:p>
+            <a:pPr algn="ctr" defTabSz="896386">
+              <a:defRPr/>
+            </a:pPr>
+            <a:r>
+              <a:rPr lang="en-US" sz="1765" b="1" kern="0" dirty="0">
+                <a:solidFill>
+                  <a:srgbClr val="FFFFFF"/>
+                </a:solidFill>
+                <a:latin typeface="Segoe UI"/>
+              </a:rPr>
+              <a:t>REST API</a:t>
+            </a:r>
+            <a:endParaRPr lang="en-US" sz="1765" kern="0" dirty="0">
+              <a:solidFill>
+                <a:srgbClr val="FFFFFF"/>
+              </a:solidFill>
+              <a:latin typeface="Segoe UI"/>
+            </a:endParaRPr>
+          </a:p>
+        </p:txBody>
+      </p:sp>
+      <p:sp>
+        <p:nvSpPr>
+          <p:cNvPr id="22" name="Rectangle 21">
+            <a:extLst>
+              <a:ext uri="{FF2B5EF4-FFF2-40B4-BE49-F238E27FC236}">
+                <a16:creationId xmlns:a16="http://schemas.microsoft.com/office/drawing/2014/main" id="{2AA8C0B1-849D-4BF2-888A-39E5ECB67723}"/>
+              </a:ext>
+            </a:extLst>
+          </p:cNvPr>
+          <p:cNvSpPr/>
+          <p:nvPr/>
+        </p:nvSpPr>
+        <p:spPr>
+          <a:xfrm>
+            <a:off x="8006456" y="4673941"/>
+            <a:ext cx="2229365" cy="776431"/>
+          </a:xfrm>
+          <a:prstGeom prst="rect">
+            <a:avLst/>
+          </a:prstGeom>
+          <a:solidFill>
+            <a:srgbClr val="4DB0FF"/>
+          </a:solidFill>
+          <a:ln w="6350" cap="flat" cmpd="sng" algn="ctr">
+            <a:noFill/>
+            <a:prstDash val="solid"/>
+            <a:miter lim="800000"/>
+          </a:ln>
+          <a:effectLst/>
+        </p:spPr>
+        <p:style>
+          <a:lnRef idx="0">
+            <a:scrgbClr r="0" g="0" b="0"/>
+          </a:lnRef>
+          <a:fillRef idx="0">
+            <a:scrgbClr r="0" g="0" b="0"/>
+          </a:fillRef>
+          <a:effectRef idx="0">
+            <a:scrgbClr r="0" g="0" b="0"/>
+          </a:effectRef>
+          <a:fontRef idx="major"/>
+        </p:style>
+        <p:txBody>
+          <a:bodyPr lIns="134464" tIns="118800" bIns="118800" rtlCol="0" anchor="ctr" anchorCtr="0"/>
+          <a:lstStyle/>
+          <a:p>
+            <a:pPr algn="ctr" defTabSz="896386">
+              <a:defRPr/>
+            </a:pPr>
+            <a:r>
+              <a:rPr lang="en-US" sz="1765" b="1" kern="0" dirty="0">
+                <a:solidFill>
+                  <a:srgbClr val="FFFFFF"/>
+                </a:solidFill>
+                <a:latin typeface="Segoe UI"/>
+              </a:rPr>
+              <a:t>visits-service</a:t>
+            </a:r>
+          </a:p>
+          <a:p>
+            <a:pPr algn="ctr" defTabSz="896386">
+              <a:defRPr/>
+            </a:pPr>
+            <a:r>
+              <a:rPr lang="en-US" sz="1765" b="1" kern="0" dirty="0">
+                <a:solidFill>
+                  <a:srgbClr val="FFFFFF"/>
+                </a:solidFill>
+                <a:latin typeface="Segoe UI"/>
+              </a:rPr>
+              <a:t>REST API</a:t>
+            </a:r>
+            <a:endParaRPr lang="en-US" sz="1765" kern="0" dirty="0">
+              <a:solidFill>
+                <a:srgbClr val="FFFFFF"/>
+              </a:solidFill>
+              <a:latin typeface="Segoe UI"/>
+            </a:endParaRPr>
+          </a:p>
+        </p:txBody>
+      </p:sp>
+      <p:cxnSp>
+        <p:nvCxnSpPr>
+          <p:cNvPr id="28" name="Google Shape;1220;p51">
+            <a:extLst>
+              <a:ext uri="{FF2B5EF4-FFF2-40B4-BE49-F238E27FC236}">
+                <a16:creationId xmlns:a16="http://schemas.microsoft.com/office/drawing/2014/main" id="{D8C9CA71-6608-4F0E-924D-AB6889C42180}"/>
+              </a:ext>
+            </a:extLst>
+          </p:cNvPr>
+          <p:cNvCxnSpPr>
+            <a:cxnSpLocks/>
+            <a:stCxn id="147" idx="2"/>
+            <a:endCxn id="22" idx="0"/>
+          </p:cNvCxnSpPr>
+          <p:nvPr/>
+        </p:nvCxnSpPr>
+        <p:spPr>
+          <a:xfrm>
+            <a:off x="6095999" y="3439908"/>
+            <a:ext cx="3025140" cy="1234033"/>
+          </a:xfrm>
+          <a:prstGeom prst="straightConnector1">
+            <a:avLst/>
+          </a:prstGeom>
+          <a:noFill/>
+          <a:ln w="38100" cap="flat" cmpd="sng">
+            <a:solidFill>
+              <a:srgbClr val="00B050"/>
+            </a:solidFill>
+            <a:prstDash val="solid"/>
+            <a:round/>
+            <a:headEnd type="none" w="sm" len="sm"/>
+            <a:tailEnd type="triangle" w="sm" len="sm"/>
+          </a:ln>
+        </p:spPr>
+      </p:cxnSp>
+      <p:sp>
+        <p:nvSpPr>
+          <p:cNvPr id="33" name="Rectangle 32">
+            <a:extLst>
+              <a:ext uri="{FF2B5EF4-FFF2-40B4-BE49-F238E27FC236}">
+                <a16:creationId xmlns:a16="http://schemas.microsoft.com/office/drawing/2014/main" id="{3590184F-DBCF-437C-B868-D4B28F2AEE81}"/>
+              </a:ext>
+            </a:extLst>
+          </p:cNvPr>
+          <p:cNvSpPr/>
+          <p:nvPr/>
+        </p:nvSpPr>
+        <p:spPr>
+          <a:xfrm>
+            <a:off x="1956176" y="4681690"/>
+            <a:ext cx="2229365" cy="776431"/>
+          </a:xfrm>
+          <a:prstGeom prst="rect">
+            <a:avLst/>
+          </a:prstGeom>
+          <a:solidFill>
+            <a:srgbClr val="4DB0FF"/>
+          </a:solidFill>
+          <a:ln w="6350" cap="flat" cmpd="sng" algn="ctr">
+            <a:noFill/>
+            <a:prstDash val="solid"/>
+            <a:miter lim="800000"/>
+          </a:ln>
+          <a:effectLst/>
+        </p:spPr>
+        <p:style>
+          <a:lnRef idx="0">
+            <a:scrgbClr r="0" g="0" b="0"/>
+          </a:lnRef>
+          <a:fillRef idx="0">
+            <a:scrgbClr r="0" g="0" b="0"/>
+          </a:fillRef>
+          <a:effectRef idx="0">
+            <a:scrgbClr r="0" g="0" b="0"/>
+          </a:effectRef>
+          <a:fontRef idx="major"/>
+        </p:style>
+        <p:txBody>
+          <a:bodyPr lIns="134464" tIns="118800" bIns="118800" rtlCol="0" anchor="ctr" anchorCtr="0"/>
+          <a:lstStyle/>
+          <a:p>
+            <a:pPr algn="ctr" defTabSz="896386">
+              <a:defRPr/>
+            </a:pPr>
+            <a:r>
+              <a:rPr lang="en-US" sz="1765" b="1" kern="0" dirty="0">
+                <a:solidFill>
+                  <a:srgbClr val="FFFFFF"/>
+                </a:solidFill>
+                <a:latin typeface="Segoe UI"/>
+              </a:rPr>
+              <a:t>customer-service</a:t>
+            </a:r>
+          </a:p>
+          <a:p>
+            <a:pPr algn="ctr" defTabSz="896386">
+              <a:defRPr/>
+            </a:pPr>
+            <a:r>
+              <a:rPr lang="en-US" sz="1765" b="1" kern="0" dirty="0">
+                <a:solidFill>
+                  <a:srgbClr val="FFFFFF"/>
+                </a:solidFill>
+                <a:latin typeface="Segoe UI"/>
+              </a:rPr>
+              <a:t>REST API</a:t>
+            </a:r>
+            <a:endParaRPr lang="en-US" sz="1765" kern="0" dirty="0">
+              <a:solidFill>
+                <a:srgbClr val="FFFFFF"/>
+              </a:solidFill>
+              <a:latin typeface="Segoe UI"/>
+            </a:endParaRPr>
+          </a:p>
+        </p:txBody>
+      </p:sp>
+      <p:cxnSp>
+        <p:nvCxnSpPr>
+          <p:cNvPr id="34" name="Google Shape;1220;p51">
+            <a:extLst>
+              <a:ext uri="{FF2B5EF4-FFF2-40B4-BE49-F238E27FC236}">
+                <a16:creationId xmlns:a16="http://schemas.microsoft.com/office/drawing/2014/main" id="{7C50031A-9047-4509-998C-C6E695E4646A}"/>
+              </a:ext>
+            </a:extLst>
+          </p:cNvPr>
+          <p:cNvCxnSpPr>
+            <a:cxnSpLocks/>
+            <a:stCxn id="147" idx="2"/>
+            <a:endCxn id="33" idx="0"/>
+          </p:cNvCxnSpPr>
+          <p:nvPr/>
+        </p:nvCxnSpPr>
+        <p:spPr>
+          <a:xfrm flipH="1">
+            <a:off x="3070859" y="3439908"/>
+            <a:ext cx="3025140" cy="1241782"/>
+          </a:xfrm>
+          <a:prstGeom prst="straightConnector1">
+            <a:avLst/>
+          </a:prstGeom>
+          <a:noFill/>
+          <a:ln w="38100" cap="flat" cmpd="sng">
+            <a:solidFill>
+              <a:srgbClr val="00B050"/>
+            </a:solidFill>
+            <a:prstDash val="solid"/>
+            <a:round/>
+            <a:headEnd type="none" w="sm" len="sm"/>
+            <a:tailEnd type="triangle" w="sm" len="sm"/>
+          </a:ln>
+        </p:spPr>
+      </p:cxnSp>
+      <p:pic>
+        <p:nvPicPr>
+          <p:cNvPr id="170" name="Image 67" descr="Une image contenant clipart&#10;&#10;Description générée avec un niveau de confiance très élevé">
+            <a:extLst>
+              <a:ext uri="{FF2B5EF4-FFF2-40B4-BE49-F238E27FC236}">
+                <a16:creationId xmlns:a16="http://schemas.microsoft.com/office/drawing/2014/main" id="{73FADB77-3BFC-4B5C-B659-0849333E47BD}"/>
+              </a:ext>
+            </a:extLst>
+          </p:cNvPr>
+          <p:cNvPicPr>
+            <a:picLocks noChangeAspect="1"/>
+          </p:cNvPicPr>
+          <p:nvPr/>
+        </p:nvPicPr>
+        <p:blipFill>
+          <a:blip r:embed="rId5" cstate="email">
+            <a:extLst>
+              <a:ext uri="{28A0092B-C50C-407E-A947-70E740481C1C}">
+                <a14:useLocalDpi xmlns:a14="http://schemas.microsoft.com/office/drawing/2010/main"/>
+              </a:ext>
+            </a:extLst>
+          </a:blip>
+          <a:stretch>
+            <a:fillRect/>
+          </a:stretch>
+        </p:blipFill>
+        <p:spPr>
+          <a:xfrm>
+            <a:off x="9106672" y="4346236"/>
+            <a:ext cx="359949" cy="322342"/>
+          </a:xfrm>
+          <a:prstGeom prst="rect">
+            <a:avLst/>
+          </a:prstGeom>
+        </p:spPr>
+      </p:pic>
+      <p:pic>
+        <p:nvPicPr>
+          <p:cNvPr id="171" name="Image 67" descr="Une image contenant clipart&#10;&#10;Description générée avec un niveau de confiance très élevé">
+            <a:extLst>
+              <a:ext uri="{FF2B5EF4-FFF2-40B4-BE49-F238E27FC236}">
+                <a16:creationId xmlns:a16="http://schemas.microsoft.com/office/drawing/2014/main" id="{81363C77-42A2-4EDC-AEEB-6B4CE30ED5C8}"/>
+              </a:ext>
+            </a:extLst>
+          </p:cNvPr>
+          <p:cNvPicPr>
+            <a:picLocks noChangeAspect="1"/>
+          </p:cNvPicPr>
+          <p:nvPr/>
+        </p:nvPicPr>
+        <p:blipFill>
+          <a:blip r:embed="rId5" cstate="email">
+            <a:extLst>
+              <a:ext uri="{28A0092B-C50C-407E-A947-70E740481C1C}">
+                <a14:useLocalDpi xmlns:a14="http://schemas.microsoft.com/office/drawing/2010/main"/>
+              </a:ext>
+            </a:extLst>
+          </a:blip>
+          <a:stretch>
+            <a:fillRect/>
+          </a:stretch>
+        </p:blipFill>
+        <p:spPr>
+          <a:xfrm>
+            <a:off x="6150660" y="4358994"/>
+            <a:ext cx="359949" cy="322342"/>
+          </a:xfrm>
+          <a:prstGeom prst="rect">
+            <a:avLst/>
+          </a:prstGeom>
+        </p:spPr>
+      </p:pic>
+      <p:pic>
+        <p:nvPicPr>
+          <p:cNvPr id="172" name="Image 67" descr="Une image contenant clipart&#10;&#10;Description générée avec un niveau de confiance très élevé">
+            <a:extLst>
+              <a:ext uri="{FF2B5EF4-FFF2-40B4-BE49-F238E27FC236}">
+                <a16:creationId xmlns:a16="http://schemas.microsoft.com/office/drawing/2014/main" id="{090A1B80-94FD-4EEF-BE0E-26FF476E3F9F}"/>
+              </a:ext>
+            </a:extLst>
+          </p:cNvPr>
+          <p:cNvPicPr>
+            <a:picLocks noChangeAspect="1"/>
+          </p:cNvPicPr>
+          <p:nvPr/>
+        </p:nvPicPr>
+        <p:blipFill>
+          <a:blip r:embed="rId5" cstate="email">
+            <a:extLst>
+              <a:ext uri="{28A0092B-C50C-407E-A947-70E740481C1C}">
+                <a14:useLocalDpi xmlns:a14="http://schemas.microsoft.com/office/drawing/2010/main"/>
+              </a:ext>
+            </a:extLst>
+          </a:blip>
+          <a:stretch>
+            <a:fillRect/>
+          </a:stretch>
+        </p:blipFill>
+        <p:spPr>
+          <a:xfrm>
+            <a:off x="2730829" y="4354138"/>
+            <a:ext cx="359949" cy="322342"/>
+          </a:xfrm>
+          <a:prstGeom prst="rect">
+            <a:avLst/>
+          </a:prstGeom>
+        </p:spPr>
+      </p:pic>
+      <p:pic>
+        <p:nvPicPr>
+          <p:cNvPr id="173" name="Image 67" descr="Une image contenant clipart&#10;&#10;Description générée avec un niveau de confiance très élevé">
+            <a:extLst>
+              <a:ext uri="{FF2B5EF4-FFF2-40B4-BE49-F238E27FC236}">
+                <a16:creationId xmlns:a16="http://schemas.microsoft.com/office/drawing/2014/main" id="{86523402-8A0C-4C5F-98F7-BB2F75914167}"/>
+              </a:ext>
+            </a:extLst>
+          </p:cNvPr>
+          <p:cNvPicPr>
+            <a:picLocks noChangeAspect="1"/>
+          </p:cNvPicPr>
+          <p:nvPr/>
+        </p:nvPicPr>
+        <p:blipFill>
+          <a:blip r:embed="rId5" cstate="email">
+            <a:extLst>
+              <a:ext uri="{28A0092B-C50C-407E-A947-70E740481C1C}">
+                <a14:useLocalDpi xmlns:a14="http://schemas.microsoft.com/office/drawing/2010/main"/>
+              </a:ext>
+            </a:extLst>
+          </a:blip>
+          <a:stretch>
+            <a:fillRect/>
+          </a:stretch>
+        </p:blipFill>
+        <p:spPr>
+          <a:xfrm>
+            <a:off x="5915268" y="2270890"/>
+            <a:ext cx="359949" cy="322342"/>
+          </a:xfrm>
+          <a:prstGeom prst="rect">
+            <a:avLst/>
+          </a:prstGeom>
+        </p:spPr>
+      </p:pic>
+      <p:cxnSp>
+        <p:nvCxnSpPr>
+          <p:cNvPr id="38" name="Google Shape;1220;p51">
+            <a:extLst>
+              <a:ext uri="{FF2B5EF4-FFF2-40B4-BE49-F238E27FC236}">
+                <a16:creationId xmlns:a16="http://schemas.microsoft.com/office/drawing/2014/main" id="{02F3A239-38FA-4017-AF20-6FD3414D4C83}"/>
+              </a:ext>
+            </a:extLst>
+          </p:cNvPr>
+          <p:cNvCxnSpPr>
+            <a:cxnSpLocks/>
+          </p:cNvCxnSpPr>
+          <p:nvPr/>
+        </p:nvCxnSpPr>
+        <p:spPr>
+          <a:xfrm flipH="1">
+            <a:off x="6278879" y="1267088"/>
+            <a:ext cx="4412" cy="1396389"/>
+          </a:xfrm>
+          <a:prstGeom prst="straightConnector1">
+            <a:avLst/>
+          </a:prstGeom>
+          <a:noFill/>
+          <a:ln w="38100" cap="flat" cmpd="sng">
+            <a:solidFill>
+              <a:srgbClr val="00B050"/>
+            </a:solidFill>
+            <a:prstDash val="solid"/>
+            <a:round/>
+            <a:headEnd type="none" w="sm" len="sm"/>
+            <a:tailEnd type="triangle" w="sm" len="sm"/>
+          </a:ln>
+        </p:spPr>
+      </p:cxnSp>
+      <p:cxnSp>
+        <p:nvCxnSpPr>
+          <p:cNvPr id="44" name="Google Shape;1220;p51">
+            <a:extLst>
+              <a:ext uri="{FF2B5EF4-FFF2-40B4-BE49-F238E27FC236}">
+                <a16:creationId xmlns:a16="http://schemas.microsoft.com/office/drawing/2014/main" id="{1EB3C14D-D440-4F69-B9F6-26C8707EF28F}"/>
+              </a:ext>
+            </a:extLst>
+          </p:cNvPr>
+          <p:cNvCxnSpPr>
+            <a:cxnSpLocks/>
+          </p:cNvCxnSpPr>
+          <p:nvPr/>
+        </p:nvCxnSpPr>
+        <p:spPr>
+          <a:xfrm flipH="1">
+            <a:off x="5920742" y="1274725"/>
+            <a:ext cx="4412" cy="1396389"/>
+          </a:xfrm>
+          <a:prstGeom prst="straightConnector1">
+            <a:avLst/>
+          </a:prstGeom>
+          <a:noFill/>
+          <a:ln w="38100" cap="flat" cmpd="sng">
+            <a:solidFill>
+              <a:srgbClr val="00B050"/>
+            </a:solidFill>
+            <a:prstDash val="solid"/>
+            <a:round/>
+            <a:headEnd type="none" w="sm" len="sm"/>
+            <a:tailEnd type="triangle" w="sm" len="sm"/>
+          </a:ln>
+        </p:spPr>
+      </p:cxnSp>
+      <p:sp>
+        <p:nvSpPr>
+          <p:cNvPr id="45" name="Google Shape;134;p16">
+            <a:extLst>
+              <a:ext uri="{FF2B5EF4-FFF2-40B4-BE49-F238E27FC236}">
+                <a16:creationId xmlns:a16="http://schemas.microsoft.com/office/drawing/2014/main" id="{13905C22-D6E6-4973-9223-30D4B376550C}"/>
+              </a:ext>
+            </a:extLst>
+          </p:cNvPr>
+          <p:cNvSpPr txBox="1"/>
+          <p:nvPr/>
+        </p:nvSpPr>
+        <p:spPr>
+          <a:xfrm>
+            <a:off x="6375372" y="1703562"/>
+            <a:ext cx="1136667" cy="296008"/>
+          </a:xfrm>
+          <a:prstGeom prst="rect">
+            <a:avLst/>
+          </a:prstGeom>
+          <a:noFill/>
+          <a:ln>
+            <a:noFill/>
+          </a:ln>
+        </p:spPr>
+        <p:txBody>
+          <a:bodyPr spcFirstLastPara="1" wrap="square" lIns="89628" tIns="44802" rIns="89628" bIns="44802" anchor="ctr" anchorCtr="0">
+            <a:noAutofit/>
+          </a:bodyPr>
+          <a:lstStyle/>
+          <a:p>
+            <a:pPr algn="ctr" defTabSz="914367">
+              <a:buClr>
+                <a:srgbClr val="000000"/>
+              </a:buClr>
+              <a:buSzPts val="800"/>
+            </a:pPr>
+            <a:r>
+              <a:rPr lang="en-GB" sz="1200" dirty="0">
+                <a:solidFill>
+                  <a:srgbClr val="000000"/>
+                </a:solidFill>
+                <a:latin typeface="Segoe UI"/>
+              </a:rPr>
+              <a:t>REST requests</a:t>
+            </a:r>
+            <a:endParaRPr sz="1200" dirty="0">
+              <a:solidFill>
+                <a:srgbClr val="000000"/>
+              </a:solidFill>
+              <a:latin typeface="Segoe UI"/>
+            </a:endParaRPr>
+          </a:p>
+        </p:txBody>
+      </p:sp>
+      <p:sp>
+        <p:nvSpPr>
+          <p:cNvPr id="46" name="Google Shape;134;p16">
+            <a:extLst>
+              <a:ext uri="{FF2B5EF4-FFF2-40B4-BE49-F238E27FC236}">
+                <a16:creationId xmlns:a16="http://schemas.microsoft.com/office/drawing/2014/main" id="{B32028B2-13DA-4D85-A0DD-6D32BD20FDA4}"/>
+              </a:ext>
+            </a:extLst>
+          </p:cNvPr>
+          <p:cNvSpPr txBox="1"/>
+          <p:nvPr/>
+        </p:nvSpPr>
+        <p:spPr>
+          <a:xfrm>
+            <a:off x="4635216" y="1698257"/>
+            <a:ext cx="1279156" cy="296008"/>
+          </a:xfrm>
+          <a:prstGeom prst="rect">
+            <a:avLst/>
+          </a:prstGeom>
+          <a:noFill/>
+          <a:ln>
+            <a:noFill/>
+          </a:ln>
+        </p:spPr>
+        <p:txBody>
+          <a:bodyPr spcFirstLastPara="1" wrap="square" lIns="89628" tIns="44802" rIns="89628" bIns="44802" anchor="ctr" anchorCtr="0">
+            <a:noAutofit/>
+          </a:bodyPr>
+          <a:lstStyle/>
+          <a:p>
+            <a:pPr algn="ctr" defTabSz="914367">
+              <a:buClr>
+                <a:srgbClr val="000000"/>
+              </a:buClr>
+              <a:buSzPts val="800"/>
+            </a:pPr>
+            <a:r>
+              <a:rPr lang="en-GB" sz="1200" dirty="0">
+                <a:solidFill>
+                  <a:srgbClr val="000000"/>
+                </a:solidFill>
+                <a:latin typeface="Segoe UI"/>
+              </a:rPr>
+              <a:t>Static resources</a:t>
+            </a:r>
+            <a:endParaRPr sz="1200" dirty="0">
+              <a:solidFill>
+                <a:srgbClr val="000000"/>
+              </a:solidFill>
+              <a:latin typeface="Segoe UI"/>
+            </a:endParaRPr>
+          </a:p>
+        </p:txBody>
+      </p:sp>
+      <p:pic>
+        <p:nvPicPr>
+          <p:cNvPr id="8" name="Graphic 7">
+            <a:extLst>
+              <a:ext uri="{FF2B5EF4-FFF2-40B4-BE49-F238E27FC236}">
+                <a16:creationId xmlns:a16="http://schemas.microsoft.com/office/drawing/2014/main" id="{86E1258B-66C7-486A-99F6-8DE53F75982C}"/>
+              </a:ext>
+            </a:extLst>
+          </p:cNvPr>
+          <p:cNvPicPr>
+            <a:picLocks noChangeAspect="1"/>
+          </p:cNvPicPr>
+          <p:nvPr/>
+        </p:nvPicPr>
+        <p:blipFill>
+          <a:blip r:embed="rId6">
+            <a:extLst>
+              <a:ext uri="{28A0092B-C50C-407E-A947-70E740481C1C}">
+                <a14:useLocalDpi xmlns:a14="http://schemas.microsoft.com/office/drawing/2010/main" val="0"/>
+              </a:ext>
+              <a:ext uri="{96DAC541-7B7A-43D3-8B79-37D633B846F1}">
+                <asvg:svgBlip xmlns:asvg="http://schemas.microsoft.com/office/drawing/2016/SVG/main" r:embed="rId7"/>
+              </a:ext>
+            </a:extLst>
+          </a:blip>
+          <a:stretch>
+            <a:fillRect/>
+          </a:stretch>
+        </p:blipFill>
+        <p:spPr>
+          <a:xfrm>
+            <a:off x="2611269" y="5618728"/>
+            <a:ext cx="599067" cy="599067"/>
+          </a:xfrm>
+          <a:prstGeom prst="rect">
+            <a:avLst/>
+          </a:prstGeom>
+        </p:spPr>
+      </p:pic>
+      <p:pic>
+        <p:nvPicPr>
+          <p:cNvPr id="9" name="Graphic 8">
+            <a:extLst>
+              <a:ext uri="{FF2B5EF4-FFF2-40B4-BE49-F238E27FC236}">
+                <a16:creationId xmlns:a16="http://schemas.microsoft.com/office/drawing/2014/main" id="{681ED6AD-CCA1-4F06-9D19-89C4705DB81B}"/>
+              </a:ext>
+            </a:extLst>
+          </p:cNvPr>
+          <p:cNvPicPr>
+            <a:picLocks noChangeAspect="1"/>
+          </p:cNvPicPr>
+          <p:nvPr/>
+        </p:nvPicPr>
+        <p:blipFill>
+          <a:blip r:embed="rId6">
+            <a:extLst>
+              <a:ext uri="{28A0092B-C50C-407E-A947-70E740481C1C}">
+                <a14:useLocalDpi xmlns:a14="http://schemas.microsoft.com/office/drawing/2010/main" val="0"/>
+              </a:ext>
+              <a:ext uri="{96DAC541-7B7A-43D3-8B79-37D633B846F1}">
+                <asvg:svgBlip xmlns:asvg="http://schemas.microsoft.com/office/drawing/2016/SVG/main" r:embed="rId7"/>
+              </a:ext>
+            </a:extLst>
+          </a:blip>
+          <a:stretch>
+            <a:fillRect/>
+          </a:stretch>
+        </p:blipFill>
+        <p:spPr>
+          <a:xfrm>
+            <a:off x="5795708" y="5620964"/>
+            <a:ext cx="599067" cy="599067"/>
+          </a:xfrm>
+          <a:prstGeom prst="rect">
+            <a:avLst/>
+          </a:prstGeom>
+        </p:spPr>
+      </p:pic>
+      <p:pic>
+        <p:nvPicPr>
+          <p:cNvPr id="10" name="Graphic 9">
+            <a:extLst>
+              <a:ext uri="{FF2B5EF4-FFF2-40B4-BE49-F238E27FC236}">
+                <a16:creationId xmlns:a16="http://schemas.microsoft.com/office/drawing/2014/main" id="{EF64557F-BE1F-419E-8FE2-B5C97996CAD3}"/>
+              </a:ext>
+            </a:extLst>
+          </p:cNvPr>
+          <p:cNvPicPr>
+            <a:picLocks noChangeAspect="1"/>
+          </p:cNvPicPr>
+          <p:nvPr/>
+        </p:nvPicPr>
+        <p:blipFill>
+          <a:blip r:embed="rId6">
+            <a:extLst>
+              <a:ext uri="{28A0092B-C50C-407E-A947-70E740481C1C}">
+                <a14:useLocalDpi xmlns:a14="http://schemas.microsoft.com/office/drawing/2010/main" val="0"/>
+              </a:ext>
+              <a:ext uri="{96DAC541-7B7A-43D3-8B79-37D633B846F1}">
+                <asvg:svgBlip xmlns:asvg="http://schemas.microsoft.com/office/drawing/2016/SVG/main" r:embed="rId7"/>
+              </a:ext>
+            </a:extLst>
+          </a:blip>
+          <a:stretch>
+            <a:fillRect/>
+          </a:stretch>
+        </p:blipFill>
+        <p:spPr>
+          <a:xfrm>
+            <a:off x="8821604" y="5618728"/>
+            <a:ext cx="599067" cy="599067"/>
+          </a:xfrm>
+          <a:prstGeom prst="rect">
+            <a:avLst/>
+          </a:prstGeom>
+        </p:spPr>
+      </p:pic>
+      <p:sp>
+        <p:nvSpPr>
+          <p:cNvPr id="11" name="Google Shape;87;p16">
+            <a:extLst>
+              <a:ext uri="{FF2B5EF4-FFF2-40B4-BE49-F238E27FC236}">
+                <a16:creationId xmlns:a16="http://schemas.microsoft.com/office/drawing/2014/main" id="{AD18CF54-DC24-4392-9920-6CA596D6A128}"/>
+              </a:ext>
+            </a:extLst>
+          </p:cNvPr>
+          <p:cNvSpPr txBox="1"/>
+          <p:nvPr/>
+        </p:nvSpPr>
+        <p:spPr>
+          <a:xfrm>
+            <a:off x="2081610" y="6283758"/>
+            <a:ext cx="1658383" cy="189288"/>
+          </a:xfrm>
+          <a:prstGeom prst="rect">
+            <a:avLst/>
+          </a:prstGeom>
+          <a:noFill/>
+          <a:ln>
+            <a:noFill/>
+          </a:ln>
+        </p:spPr>
+        <p:txBody>
+          <a:bodyPr spcFirstLastPara="1" wrap="square" lIns="89628" tIns="44802" rIns="89628" bIns="44802" anchor="ctr" anchorCtr="0">
+            <a:noAutofit/>
+          </a:bodyPr>
+          <a:lstStyle/>
+          <a:p>
+            <a:pPr algn="ctr" defTabSz="914367">
+              <a:buClr>
+                <a:srgbClr val="000000"/>
+              </a:buClr>
+              <a:buSzPts val="800"/>
+            </a:pPr>
+            <a:r>
+              <a:rPr lang="en-GB" sz="1200" dirty="0">
+                <a:solidFill>
+                  <a:srgbClr val="000000"/>
+                </a:solidFill>
+                <a:latin typeface="Segoe UI"/>
+              </a:rPr>
+              <a:t>Azure DB for MySQL </a:t>
+            </a:r>
+            <a:endParaRPr sz="1200" dirty="0">
+              <a:solidFill>
+                <a:srgbClr val="000000"/>
+              </a:solidFill>
+              <a:latin typeface="Segoe UI"/>
+            </a:endParaRPr>
+          </a:p>
+        </p:txBody>
+      </p:sp>
+      <p:sp>
+        <p:nvSpPr>
+          <p:cNvPr id="12" name="Google Shape;87;p16">
+            <a:extLst>
+              <a:ext uri="{FF2B5EF4-FFF2-40B4-BE49-F238E27FC236}">
+                <a16:creationId xmlns:a16="http://schemas.microsoft.com/office/drawing/2014/main" id="{FE3F05BA-E348-4D46-90FB-2F1AA771E7A4}"/>
+              </a:ext>
+            </a:extLst>
+          </p:cNvPr>
+          <p:cNvSpPr txBox="1"/>
+          <p:nvPr/>
+        </p:nvSpPr>
+        <p:spPr>
+          <a:xfrm>
+            <a:off x="5266049" y="6321552"/>
+            <a:ext cx="1658383" cy="189288"/>
+          </a:xfrm>
+          <a:prstGeom prst="rect">
+            <a:avLst/>
+          </a:prstGeom>
+          <a:noFill/>
+          <a:ln>
+            <a:noFill/>
+          </a:ln>
+        </p:spPr>
+        <p:txBody>
+          <a:bodyPr spcFirstLastPara="1" wrap="square" lIns="89628" tIns="44802" rIns="89628" bIns="44802" anchor="ctr" anchorCtr="0">
+            <a:noAutofit/>
+          </a:bodyPr>
+          <a:lstStyle/>
+          <a:p>
+            <a:pPr algn="ctr" defTabSz="914367">
+              <a:buClr>
+                <a:srgbClr val="000000"/>
+              </a:buClr>
+              <a:buSzPts val="800"/>
+            </a:pPr>
+            <a:r>
+              <a:rPr lang="en-GB" sz="1200" dirty="0">
+                <a:solidFill>
+                  <a:srgbClr val="000000"/>
+                </a:solidFill>
+                <a:latin typeface="Segoe UI"/>
+              </a:rPr>
+              <a:t>Azure DB for MySQL </a:t>
+            </a:r>
+            <a:endParaRPr sz="1200" dirty="0">
+              <a:solidFill>
+                <a:srgbClr val="000000"/>
+              </a:solidFill>
+              <a:latin typeface="Segoe UI"/>
+            </a:endParaRPr>
+          </a:p>
+        </p:txBody>
+      </p:sp>
+      <p:sp>
+        <p:nvSpPr>
+          <p:cNvPr id="13" name="Google Shape;87;p16">
+            <a:extLst>
+              <a:ext uri="{FF2B5EF4-FFF2-40B4-BE49-F238E27FC236}">
+                <a16:creationId xmlns:a16="http://schemas.microsoft.com/office/drawing/2014/main" id="{5377A6F2-F07C-4ED1-837F-393CE8287A54}"/>
+              </a:ext>
+            </a:extLst>
+          </p:cNvPr>
+          <p:cNvSpPr txBox="1"/>
+          <p:nvPr/>
+        </p:nvSpPr>
+        <p:spPr>
+          <a:xfrm>
+            <a:off x="8277480" y="6283758"/>
+            <a:ext cx="1658383" cy="189288"/>
+          </a:xfrm>
+          <a:prstGeom prst="rect">
+            <a:avLst/>
+          </a:prstGeom>
+          <a:noFill/>
+          <a:ln>
+            <a:noFill/>
+          </a:ln>
+        </p:spPr>
+        <p:txBody>
+          <a:bodyPr spcFirstLastPara="1" wrap="square" lIns="89628" tIns="44802" rIns="89628" bIns="44802" anchor="ctr" anchorCtr="0">
+            <a:noAutofit/>
+          </a:bodyPr>
+          <a:lstStyle/>
+          <a:p>
+            <a:pPr algn="ctr" defTabSz="914367">
+              <a:buClr>
+                <a:srgbClr val="000000"/>
+              </a:buClr>
+              <a:buSzPts val="800"/>
+            </a:pPr>
+            <a:r>
+              <a:rPr lang="en-GB" sz="1200" dirty="0">
+                <a:solidFill>
+                  <a:srgbClr val="000000"/>
+                </a:solidFill>
+                <a:latin typeface="Segoe UI"/>
+              </a:rPr>
+              <a:t>Azure DB for MySQL </a:t>
+            </a:r>
+            <a:endParaRPr sz="1200" dirty="0">
+              <a:solidFill>
+                <a:srgbClr val="000000"/>
+              </a:solidFill>
+              <a:latin typeface="Segoe UI"/>
+            </a:endParaRPr>
+          </a:p>
+        </p:txBody>
+      </p:sp>
+      <p:sp>
+        <p:nvSpPr>
+          <p:cNvPr id="2" name="Rectangle 1">
+            <a:extLst>
+              <a:ext uri="{FF2B5EF4-FFF2-40B4-BE49-F238E27FC236}">
+                <a16:creationId xmlns:a16="http://schemas.microsoft.com/office/drawing/2014/main" id="{CA7B9857-DEAE-F0B4-8783-4A492FBCBE0C}"/>
+              </a:ext>
+            </a:extLst>
+          </p:cNvPr>
+          <p:cNvSpPr/>
+          <p:nvPr/>
+        </p:nvSpPr>
+        <p:spPr>
+          <a:xfrm>
+            <a:off x="1954785" y="2660872"/>
+            <a:ext cx="2229365" cy="776431"/>
+          </a:xfrm>
+          <a:prstGeom prst="rect">
+            <a:avLst/>
+          </a:prstGeom>
+          <a:solidFill>
+            <a:srgbClr val="4DB0FF"/>
+          </a:solidFill>
+          <a:ln w="6350" cap="flat" cmpd="sng" algn="ctr">
+            <a:noFill/>
+            <a:prstDash val="solid"/>
+            <a:miter lim="800000"/>
+          </a:ln>
+          <a:effectLst/>
+        </p:spPr>
+        <p:style>
+          <a:lnRef idx="0">
+            <a:scrgbClr r="0" g="0" b="0"/>
+          </a:lnRef>
+          <a:fillRef idx="0">
+            <a:scrgbClr r="0" g="0" b="0"/>
+          </a:fillRef>
+          <a:effectRef idx="0">
+            <a:scrgbClr r="0" g="0" b="0"/>
+          </a:effectRef>
+          <a:fontRef idx="major"/>
+        </p:style>
+        <p:txBody>
+          <a:bodyPr lIns="134464" tIns="118800" bIns="118800" rtlCol="0" anchor="ctr" anchorCtr="0"/>
+          <a:lstStyle/>
+          <a:p>
+            <a:pPr algn="ctr" defTabSz="896386">
+              <a:defRPr/>
+            </a:pPr>
+            <a:r>
+              <a:rPr lang="en-US" sz="1765" b="1" kern="0" dirty="0">
+                <a:solidFill>
+                  <a:srgbClr val="FFFFFF"/>
+                </a:solidFill>
+                <a:latin typeface="Segoe UI"/>
+              </a:rPr>
+              <a:t>UI + API Gateway</a:t>
+            </a:r>
+            <a:endParaRPr lang="en-US" sz="1765" kern="0" dirty="0">
+              <a:solidFill>
+                <a:srgbClr val="FFFFFF"/>
+              </a:solidFill>
+              <a:latin typeface="Segoe UI"/>
+            </a:endParaRPr>
+          </a:p>
+        </p:txBody>
+      </p:sp>
+    </p:spTree>
+    <p:extLst>
+      <p:ext uri="{BB962C8B-B14F-4D97-AF65-F5344CB8AC3E}">
+        <p14:creationId xmlns:p14="http://schemas.microsoft.com/office/powerpoint/2010/main" val="2981805659"/>
+      </p:ext>
+    </p:extLst>
+  </p:cSld>
+  <p:clrMapOvr>
+    <a:masterClrMapping/>
+  </p:clrMapOvr>
+  <p:transition>
+    <p:fade/>
+  </p:transition>
+</p:sld>
+</file>
+
+<file path=ppt/slides/slide3.xml><?xml version="1.0" encoding="utf-8"?>
+<p:sld xmlns:a="http://schemas.openxmlformats.org/drawingml/2006/main" xmlns:r="http://schemas.openxmlformats.org/officeDocument/2006/relationships" xmlns:p="http://schemas.openxmlformats.org/presentationml/2006/main" show="0">
   <p:cSld>
     <p:spTree>
       <p:nvGrpSpPr>
